--- a/task_02/presentation/Mahn_Teske_Wolf_Presentation_EX02_03.pptx
+++ b/task_02/presentation/Mahn_Teske_Wolf_Presentation_EX02_03.pptx
@@ -9,18 +9,20 @@
     <p:sldId id="257" r:id="rId3"/>
     <p:sldId id="258" r:id="rId4"/>
     <p:sldId id="261" r:id="rId5"/>
-    <p:sldId id="262" r:id="rId6"/>
-    <p:sldId id="263" r:id="rId7"/>
-    <p:sldId id="264" r:id="rId8"/>
-    <p:sldId id="265" r:id="rId9"/>
-    <p:sldId id="266" r:id="rId10"/>
-    <p:sldId id="268" r:id="rId11"/>
-    <p:sldId id="269" r:id="rId12"/>
-    <p:sldId id="270" r:id="rId13"/>
-    <p:sldId id="271" r:id="rId14"/>
-    <p:sldId id="272" r:id="rId15"/>
-    <p:sldId id="260" r:id="rId16"/>
-    <p:sldId id="259" r:id="rId17"/>
+    <p:sldId id="273" r:id="rId6"/>
+    <p:sldId id="262" r:id="rId7"/>
+    <p:sldId id="274" r:id="rId8"/>
+    <p:sldId id="263" r:id="rId9"/>
+    <p:sldId id="264" r:id="rId10"/>
+    <p:sldId id="265" r:id="rId11"/>
+    <p:sldId id="266" r:id="rId12"/>
+    <p:sldId id="268" r:id="rId13"/>
+    <p:sldId id="269" r:id="rId14"/>
+    <p:sldId id="270" r:id="rId15"/>
+    <p:sldId id="271" r:id="rId16"/>
+    <p:sldId id="272" r:id="rId17"/>
+    <p:sldId id="260" r:id="rId18"/>
+    <p:sldId id="259" r:id="rId19"/>
   </p:sldIdLst>
   <p:sldSz cx="12192000" cy="6858000"/>
   <p:notesSz cx="6858000" cy="9144000"/>
@@ -274,7 +276,7 @@
           <a:p>
             <a:fld id="{DF19FE9D-3F40-460A-86FC-94F4FB47E3B1}" type="datetimeFigureOut">
               <a:rPr lang="de-DE" smtClean="0"/>
-              <a:t>19.01.2023</a:t>
+              <a:t>23.01.2023</a:t>
             </a:fld>
             <a:endParaRPr lang="de-DE" dirty="0"/>
           </a:p>
@@ -472,7 +474,7 @@
           <a:p>
             <a:fld id="{DF19FE9D-3F40-460A-86FC-94F4FB47E3B1}" type="datetimeFigureOut">
               <a:rPr lang="de-DE" smtClean="0"/>
-              <a:t>19.01.2023</a:t>
+              <a:t>23.01.2023</a:t>
             </a:fld>
             <a:endParaRPr lang="de-DE" dirty="0"/>
           </a:p>
@@ -680,7 +682,7 @@
           <a:p>
             <a:fld id="{DF19FE9D-3F40-460A-86FC-94F4FB47E3B1}" type="datetimeFigureOut">
               <a:rPr lang="de-DE" smtClean="0"/>
-              <a:t>19.01.2023</a:t>
+              <a:t>23.01.2023</a:t>
             </a:fld>
             <a:endParaRPr lang="de-DE" dirty="0"/>
           </a:p>
@@ -878,7 +880,7 @@
           <a:p>
             <a:fld id="{DF19FE9D-3F40-460A-86FC-94F4FB47E3B1}" type="datetimeFigureOut">
               <a:rPr lang="de-DE" smtClean="0"/>
-              <a:t>19.01.2023</a:t>
+              <a:t>23.01.2023</a:t>
             </a:fld>
             <a:endParaRPr lang="de-DE" dirty="0"/>
           </a:p>
@@ -1153,7 +1155,7 @@
           <a:p>
             <a:fld id="{DF19FE9D-3F40-460A-86FC-94F4FB47E3B1}" type="datetimeFigureOut">
               <a:rPr lang="de-DE" smtClean="0"/>
-              <a:t>19.01.2023</a:t>
+              <a:t>23.01.2023</a:t>
             </a:fld>
             <a:endParaRPr lang="de-DE" dirty="0"/>
           </a:p>
@@ -1418,7 +1420,7 @@
           <a:p>
             <a:fld id="{DF19FE9D-3F40-460A-86FC-94F4FB47E3B1}" type="datetimeFigureOut">
               <a:rPr lang="de-DE" smtClean="0"/>
-              <a:t>19.01.2023</a:t>
+              <a:t>23.01.2023</a:t>
             </a:fld>
             <a:endParaRPr lang="de-DE" dirty="0"/>
           </a:p>
@@ -1830,7 +1832,7 @@
           <a:p>
             <a:fld id="{DF19FE9D-3F40-460A-86FC-94F4FB47E3B1}" type="datetimeFigureOut">
               <a:rPr lang="de-DE" smtClean="0"/>
-              <a:t>19.01.2023</a:t>
+              <a:t>23.01.2023</a:t>
             </a:fld>
             <a:endParaRPr lang="de-DE" dirty="0"/>
           </a:p>
@@ -1971,7 +1973,7 @@
           <a:p>
             <a:fld id="{DF19FE9D-3F40-460A-86FC-94F4FB47E3B1}" type="datetimeFigureOut">
               <a:rPr lang="de-DE" smtClean="0"/>
-              <a:t>19.01.2023</a:t>
+              <a:t>23.01.2023</a:t>
             </a:fld>
             <a:endParaRPr lang="de-DE" dirty="0"/>
           </a:p>
@@ -2084,7 +2086,7 @@
           <a:p>
             <a:fld id="{DF19FE9D-3F40-460A-86FC-94F4FB47E3B1}" type="datetimeFigureOut">
               <a:rPr lang="de-DE" smtClean="0"/>
-              <a:t>19.01.2023</a:t>
+              <a:t>23.01.2023</a:t>
             </a:fld>
             <a:endParaRPr lang="de-DE" dirty="0"/>
           </a:p>
@@ -2395,7 +2397,7 @@
           <a:p>
             <a:fld id="{DF19FE9D-3F40-460A-86FC-94F4FB47E3B1}" type="datetimeFigureOut">
               <a:rPr lang="de-DE" smtClean="0"/>
-              <a:t>19.01.2023</a:t>
+              <a:t>23.01.2023</a:t>
             </a:fld>
             <a:endParaRPr lang="de-DE" dirty="0"/>
           </a:p>
@@ -2683,7 +2685,7 @@
           <a:p>
             <a:fld id="{DF19FE9D-3F40-460A-86FC-94F4FB47E3B1}" type="datetimeFigureOut">
               <a:rPr lang="de-DE" smtClean="0"/>
-              <a:t>19.01.2023</a:t>
+              <a:t>23.01.2023</a:t>
             </a:fld>
             <a:endParaRPr lang="de-DE" dirty="0"/>
           </a:p>
@@ -2924,7 +2926,7 @@
           <a:p>
             <a:fld id="{DF19FE9D-3F40-460A-86FC-94F4FB47E3B1}" type="datetimeFigureOut">
               <a:rPr lang="de-DE" smtClean="0"/>
-              <a:t>19.01.2023</a:t>
+              <a:t>23.01.2023</a:t>
             </a:fld>
             <a:endParaRPr lang="de-DE" dirty="0"/>
           </a:p>
@@ -3563,110 +3565,12 @@
           <a:chExt cx="0" cy="0"/>
         </a:xfrm>
       </p:grpSpPr>
-      <p:sp>
-        <p:nvSpPr>
-          <p:cNvPr id="2" name="Titel 1">
-            <a:extLst>
-              <a:ext uri="{FF2B5EF4-FFF2-40B4-BE49-F238E27FC236}">
-                <a16:creationId xmlns:a16="http://schemas.microsoft.com/office/drawing/2014/main" id="{C1747315-2CB4-46C6-8AC2-95B18E1A7746}"/>
-              </a:ext>
-            </a:extLst>
-          </p:cNvPr>
-          <p:cNvSpPr>
-            <a:spLocks noGrp="1"/>
-          </p:cNvSpPr>
-          <p:nvPr>
-            <p:ph type="title"/>
-          </p:nvPr>
-        </p:nvSpPr>
-        <p:spPr>
-          <a:xfrm>
-            <a:off x="1451811" y="365125"/>
-            <a:ext cx="9370832" cy="1325563"/>
-          </a:xfrm>
-        </p:spPr>
-        <p:txBody>
-          <a:bodyPr>
-            <a:normAutofit/>
-          </a:bodyPr>
-          <a:lstStyle/>
-          <a:p>
-            <a:pPr algn="ctr"/>
-            <a:r>
-              <a:rPr lang="de-DE" sz="3600" dirty="0">
-                <a:latin typeface="Bahnschrift" panose="020B0502040204020203" pitchFamily="34" charset="0"/>
-              </a:rPr>
-              <a:t>e) </a:t>
-            </a:r>
-            <a:r>
-              <a:rPr lang="en-US" sz="3600" dirty="0">
-                <a:latin typeface="Bahnschrift" panose="020B0502040204020203" pitchFamily="34" charset="0"/>
-              </a:rPr>
-              <a:t>Computation of a time series </a:t>
-            </a:r>
-            <a:br>
-              <a:rPr lang="en-US" sz="3600" dirty="0">
-                <a:latin typeface="Bahnschrift" panose="020B0502040204020203" pitchFamily="34" charset="0"/>
-              </a:rPr>
-            </a:br>
-            <a:r>
-              <a:rPr lang="en-US" sz="3600" dirty="0">
-                <a:latin typeface="Bahnschrift" panose="020B0502040204020203" pitchFamily="34" charset="0"/>
-              </a:rPr>
-              <a:t>of region averages</a:t>
-            </a:r>
-            <a:endParaRPr lang="de-DE" sz="4000" dirty="0">
-              <a:latin typeface="Bahnschrift" panose="020B0502040204020203" pitchFamily="34" charset="0"/>
-            </a:endParaRPr>
-          </a:p>
-        </p:txBody>
-      </p:sp>
-      <p:sp>
-        <p:nvSpPr>
-          <p:cNvPr id="3" name="Inhaltsplatzhalter 2">
-            <a:extLst>
-              <a:ext uri="{FF2B5EF4-FFF2-40B4-BE49-F238E27FC236}">
-                <a16:creationId xmlns:a16="http://schemas.microsoft.com/office/drawing/2014/main" id="{C734E635-B60E-4608-9187-A76C7679EDCA}"/>
-              </a:ext>
-            </a:extLst>
-          </p:cNvPr>
-          <p:cNvSpPr>
-            <a:spLocks noGrp="1"/>
-          </p:cNvSpPr>
-          <p:nvPr>
-            <p:ph idx="1"/>
-          </p:nvPr>
-        </p:nvSpPr>
-        <p:spPr>
-          <a:xfrm>
-            <a:off x="838200" y="1825625"/>
-            <a:ext cx="10623884" cy="4351338"/>
-          </a:xfrm>
-        </p:spPr>
-        <p:txBody>
-          <a:bodyPr>
-            <a:normAutofit/>
-          </a:bodyPr>
-          <a:lstStyle/>
-          <a:p>
-            <a:r>
-              <a:rPr lang="de-DE" sz="2000" dirty="0">
-                <a:latin typeface="Bahnschrift" panose="020B0502040204020203" pitchFamily="34" charset="0"/>
-              </a:rPr>
-              <a:t>P</a:t>
-            </a:r>
-            <a:endParaRPr lang="de-DE" sz="1600" dirty="0">
-              <a:latin typeface="Bahnschrift" panose="020B0502040204020203" pitchFamily="34" charset="0"/>
-            </a:endParaRPr>
-          </a:p>
-        </p:txBody>
-      </p:sp>
       <p:pic>
         <p:nvPicPr>
-          <p:cNvPr id="4" name="Grafik 3" descr="Ein Bild, das Text enthält.&#10;&#10;Automatisch generierte Beschreibung">
-            <a:extLst>
-              <a:ext uri="{FF2B5EF4-FFF2-40B4-BE49-F238E27FC236}">
-                <a16:creationId xmlns:a16="http://schemas.microsoft.com/office/drawing/2014/main" id="{17619843-12CD-4097-98FD-A4CB5227CF9C}"/>
+          <p:cNvPr id="8" name="Grafik 7">
+            <a:extLst>
+              <a:ext uri="{FF2B5EF4-FFF2-40B4-BE49-F238E27FC236}">
+                <a16:creationId xmlns:a16="http://schemas.microsoft.com/office/drawing/2014/main" id="{BB133992-E66B-03CF-C5AC-703657867263}"/>
               </a:ext>
             </a:extLst>
           </p:cNvPr>
@@ -3689,20 +3593,120 @@
         </p:blipFill>
         <p:spPr>
           <a:xfrm>
-            <a:off x="223934" y="177282"/>
-            <a:ext cx="2453952" cy="617001"/>
+            <a:off x="7076743" y="1383265"/>
+            <a:ext cx="4891323" cy="5109610"/>
           </a:xfrm>
           <a:prstGeom prst="rect">
             <a:avLst/>
           </a:prstGeom>
         </p:spPr>
       </p:pic>
+      <p:sp>
+        <p:nvSpPr>
+          <p:cNvPr id="2" name="Titel 1">
+            <a:extLst>
+              <a:ext uri="{FF2B5EF4-FFF2-40B4-BE49-F238E27FC236}">
+                <a16:creationId xmlns:a16="http://schemas.microsoft.com/office/drawing/2014/main" id="{C1747315-2CB4-46C6-8AC2-95B18E1A7746}"/>
+              </a:ext>
+            </a:extLst>
+          </p:cNvPr>
+          <p:cNvSpPr>
+            <a:spLocks noGrp="1"/>
+          </p:cNvSpPr>
+          <p:nvPr>
+            <p:ph type="title"/>
+          </p:nvPr>
+        </p:nvSpPr>
+        <p:spPr/>
+        <p:txBody>
+          <a:bodyPr>
+            <a:normAutofit/>
+          </a:bodyPr>
+          <a:lstStyle/>
+          <a:p>
+            <a:pPr algn="ctr"/>
+            <a:r>
+              <a:rPr lang="de-DE" sz="3600" dirty="0">
+                <a:latin typeface="Bahnschrift" panose="020B0502040204020203" pitchFamily="34" charset="0"/>
+              </a:rPr>
+              <a:t>c) </a:t>
+            </a:r>
+            <a:r>
+              <a:rPr lang="de-DE" sz="3600" dirty="0" err="1">
+                <a:latin typeface="Bahnschrift" panose="020B0502040204020203" pitchFamily="34" charset="0"/>
+              </a:rPr>
+              <a:t>Calculation</a:t>
+            </a:r>
+            <a:r>
+              <a:rPr lang="de-DE" sz="3600" dirty="0">
+                <a:latin typeface="Bahnschrift" panose="020B0502040204020203" pitchFamily="34" charset="0"/>
+              </a:rPr>
+              <a:t> of </a:t>
+            </a:r>
+            <a:r>
+              <a:rPr lang="de-DE" sz="3600" dirty="0" err="1">
+                <a:latin typeface="Bahnschrift" panose="020B0502040204020203" pitchFamily="34" charset="0"/>
+              </a:rPr>
+              <a:t>unfiltered</a:t>
+            </a:r>
+            <a:r>
+              <a:rPr lang="de-DE" sz="3600" dirty="0">
+                <a:latin typeface="Bahnschrift" panose="020B0502040204020203" pitchFamily="34" charset="0"/>
+              </a:rPr>
+              <a:t> EWH</a:t>
+            </a:r>
+            <a:endParaRPr lang="de-DE" sz="4000" dirty="0">
+              <a:latin typeface="Bahnschrift" panose="020B0502040204020203" pitchFamily="34" charset="0"/>
+            </a:endParaRPr>
+          </a:p>
+        </p:txBody>
+      </p:sp>
+      <p:sp>
+        <p:nvSpPr>
+          <p:cNvPr id="3" name="Inhaltsplatzhalter 2">
+            <a:extLst>
+              <a:ext uri="{FF2B5EF4-FFF2-40B4-BE49-F238E27FC236}">
+                <a16:creationId xmlns:a16="http://schemas.microsoft.com/office/drawing/2014/main" id="{C734E635-B60E-4608-9187-A76C7679EDCA}"/>
+              </a:ext>
+            </a:extLst>
+          </p:cNvPr>
+          <p:cNvSpPr>
+            <a:spLocks noGrp="1"/>
+          </p:cNvSpPr>
+          <p:nvPr>
+            <p:ph idx="1"/>
+          </p:nvPr>
+        </p:nvSpPr>
+        <p:spPr>
+          <a:xfrm>
+            <a:off x="838200" y="1825625"/>
+            <a:ext cx="10623884" cy="4351338"/>
+          </a:xfrm>
+        </p:spPr>
+        <p:txBody>
+          <a:bodyPr>
+            <a:normAutofit/>
+          </a:bodyPr>
+          <a:lstStyle/>
+          <a:p>
+            <a:r>
+              <a:rPr lang="de-DE" sz="2000" dirty="0">
+                <a:latin typeface="Bahnschrift" panose="020B0502040204020203" pitchFamily="34" charset="0"/>
+              </a:rPr>
+              <a:t>P</a:t>
+            </a:r>
+            <a:endParaRPr lang="de-DE" sz="1600" dirty="0">
+              <a:latin typeface="Bahnschrift" panose="020B0502040204020203" pitchFamily="34" charset="0"/>
+            </a:endParaRPr>
+          </a:p>
+        </p:txBody>
+      </p:sp>
       <p:pic>
         <p:nvPicPr>
-          <p:cNvPr id="5" name="Grafik 4">
-            <a:extLst>
-              <a:ext uri="{FF2B5EF4-FFF2-40B4-BE49-F238E27FC236}">
-                <a16:creationId xmlns:a16="http://schemas.microsoft.com/office/drawing/2014/main" id="{FE2650D6-39AC-43CB-8D6E-FC1114815F5B}"/>
+          <p:cNvPr id="4" name="Grafik 3" descr="Ein Bild, das Text enthält.&#10;&#10;Automatisch generierte Beschreibung">
+            <a:extLst>
+              <a:ext uri="{FF2B5EF4-FFF2-40B4-BE49-F238E27FC236}">
+                <a16:creationId xmlns:a16="http://schemas.microsoft.com/office/drawing/2014/main" id="{17619843-12CD-4097-98FD-A4CB5227CF9C}"/>
               </a:ext>
             </a:extLst>
           </p:cNvPr>
@@ -3725,6 +3729,42 @@
         </p:blipFill>
         <p:spPr>
           <a:xfrm>
+            <a:off x="223934" y="177282"/>
+            <a:ext cx="2453952" cy="617001"/>
+          </a:xfrm>
+          <a:prstGeom prst="rect">
+            <a:avLst/>
+          </a:prstGeom>
+        </p:spPr>
+      </p:pic>
+      <p:pic>
+        <p:nvPicPr>
+          <p:cNvPr id="5" name="Grafik 4">
+            <a:extLst>
+              <a:ext uri="{FF2B5EF4-FFF2-40B4-BE49-F238E27FC236}">
+                <a16:creationId xmlns:a16="http://schemas.microsoft.com/office/drawing/2014/main" id="{FE2650D6-39AC-43CB-8D6E-FC1114815F5B}"/>
+              </a:ext>
+            </a:extLst>
+          </p:cNvPr>
+          <p:cNvPicPr>
+            <a:picLocks noChangeAspect="1"/>
+          </p:cNvPicPr>
+          <p:nvPr/>
+        </p:nvPicPr>
+        <p:blipFill>
+          <a:blip r:embed="rId4">
+            <a:extLst>
+              <a:ext uri="{28A0092B-C50C-407E-A947-70E740481C1C}">
+                <a14:useLocalDpi xmlns:a14="http://schemas.microsoft.com/office/drawing/2010/main" val="0"/>
+              </a:ext>
+            </a:extLst>
+          </a:blip>
+          <a:stretch>
+            <a:fillRect/>
+          </a:stretch>
+        </p:blipFill>
+        <p:spPr>
+          <a:xfrm>
             <a:off x="10822643" y="93306"/>
             <a:ext cx="1266721" cy="1380822"/>
           </a:xfrm>
@@ -3774,7 +3814,7 @@
     </p:spTree>
     <p:extLst>
       <p:ext uri="{BB962C8B-B14F-4D97-AF65-F5344CB8AC3E}">
-        <p14:creationId xmlns:p14="http://schemas.microsoft.com/office/powerpoint/2010/main" val="943425334"/>
+        <p14:creationId xmlns:p14="http://schemas.microsoft.com/office/powerpoint/2010/main" val="4158464097"/>
       </p:ext>
     </p:extLst>
   </p:cSld>
@@ -3834,13 +3874,54 @@
               <a:rPr lang="de-DE" sz="3600" dirty="0">
                 <a:latin typeface="Bahnschrift" panose="020B0502040204020203" pitchFamily="34" charset="0"/>
               </a:rPr>
-              <a:t>f) </a:t>
-            </a:r>
-            <a:r>
-              <a:rPr lang="en-US" sz="3600" dirty="0">
-                <a:latin typeface="Bahnschrift" panose="020B0502040204020203" pitchFamily="34" charset="0"/>
-              </a:rPr>
-              <a:t>Interpolation of missing GRACE months</a:t>
+              <a:t>d) </a:t>
+            </a:r>
+            <a:r>
+              <a:rPr lang="de-DE" sz="3600" dirty="0" err="1">
+                <a:latin typeface="Bahnschrift" panose="020B0502040204020203" pitchFamily="34" charset="0"/>
+              </a:rPr>
+              <a:t>Filtering</a:t>
+            </a:r>
+            <a:r>
+              <a:rPr lang="de-DE" sz="3600" dirty="0">
+                <a:latin typeface="Bahnschrift" panose="020B0502040204020203" pitchFamily="34" charset="0"/>
+              </a:rPr>
+              <a:t> of the </a:t>
+            </a:r>
+            <a:r>
+              <a:rPr lang="de-DE" sz="3600" dirty="0" err="1">
+                <a:latin typeface="Bahnschrift" panose="020B0502040204020203" pitchFamily="34" charset="0"/>
+              </a:rPr>
+              <a:t>spherical</a:t>
+            </a:r>
+            <a:r>
+              <a:rPr lang="de-DE" sz="3600" dirty="0">
+                <a:latin typeface="Bahnschrift" panose="020B0502040204020203" pitchFamily="34" charset="0"/>
+              </a:rPr>
+              <a:t> </a:t>
+            </a:r>
+            <a:br>
+              <a:rPr lang="de-DE" sz="3600" dirty="0">
+                <a:latin typeface="Bahnschrift" panose="020B0502040204020203" pitchFamily="34" charset="0"/>
+              </a:rPr>
+            </a:br>
+            <a:r>
+              <a:rPr lang="de-DE" sz="3600" dirty="0" err="1">
+                <a:latin typeface="Bahnschrift" panose="020B0502040204020203" pitchFamily="34" charset="0"/>
+              </a:rPr>
+              <a:t>harmonic</a:t>
+            </a:r>
+            <a:r>
+              <a:rPr lang="de-DE" sz="3600" dirty="0">
+                <a:latin typeface="Bahnschrift" panose="020B0502040204020203" pitchFamily="34" charset="0"/>
+              </a:rPr>
+              <a:t> </a:t>
+            </a:r>
+            <a:r>
+              <a:rPr lang="de-DE" sz="3600" dirty="0" err="1">
+                <a:latin typeface="Bahnschrift" panose="020B0502040204020203" pitchFamily="34" charset="0"/>
+              </a:rPr>
+              <a:t>coefficients</a:t>
             </a:r>
             <a:endParaRPr lang="de-DE" sz="4000" dirty="0">
               <a:latin typeface="Bahnschrift" panose="020B0502040204020203" pitchFamily="34" charset="0"/>
@@ -3867,7 +3948,7 @@
         <p:spPr>
           <a:xfrm>
             <a:off x="838200" y="1825625"/>
-            <a:ext cx="10615863" cy="4351338"/>
+            <a:ext cx="10623884" cy="4351338"/>
           </a:xfrm>
         </p:spPr>
         <p:txBody>
@@ -4001,7 +4082,7 @@
     </p:spTree>
     <p:extLst>
       <p:ext uri="{BB962C8B-B14F-4D97-AF65-F5344CB8AC3E}">
-        <p14:creationId xmlns:p14="http://schemas.microsoft.com/office/powerpoint/2010/main" val="694908533"/>
+        <p14:creationId xmlns:p14="http://schemas.microsoft.com/office/powerpoint/2010/main" val="2097512069"/>
       </p:ext>
     </p:extLst>
   </p:cSld>
@@ -4061,6 +4142,471 @@
               <a:rPr lang="de-DE" sz="3600" dirty="0">
                 <a:latin typeface="Bahnschrift" panose="020B0502040204020203" pitchFamily="34" charset="0"/>
               </a:rPr>
+              <a:t>e) </a:t>
+            </a:r>
+            <a:r>
+              <a:rPr lang="en-US" sz="3600" dirty="0">
+                <a:latin typeface="Bahnschrift" panose="020B0502040204020203" pitchFamily="34" charset="0"/>
+              </a:rPr>
+              <a:t>Computation of a time series </a:t>
+            </a:r>
+            <a:br>
+              <a:rPr lang="en-US" sz="3600" dirty="0">
+                <a:latin typeface="Bahnschrift" panose="020B0502040204020203" pitchFamily="34" charset="0"/>
+              </a:rPr>
+            </a:br>
+            <a:r>
+              <a:rPr lang="en-US" sz="3600" dirty="0">
+                <a:latin typeface="Bahnschrift" panose="020B0502040204020203" pitchFamily="34" charset="0"/>
+              </a:rPr>
+              <a:t>of region averages</a:t>
+            </a:r>
+            <a:endParaRPr lang="de-DE" sz="4000" dirty="0">
+              <a:latin typeface="Bahnschrift" panose="020B0502040204020203" pitchFamily="34" charset="0"/>
+            </a:endParaRPr>
+          </a:p>
+        </p:txBody>
+      </p:sp>
+      <p:sp>
+        <p:nvSpPr>
+          <p:cNvPr id="3" name="Inhaltsplatzhalter 2">
+            <a:extLst>
+              <a:ext uri="{FF2B5EF4-FFF2-40B4-BE49-F238E27FC236}">
+                <a16:creationId xmlns:a16="http://schemas.microsoft.com/office/drawing/2014/main" id="{C734E635-B60E-4608-9187-A76C7679EDCA}"/>
+              </a:ext>
+            </a:extLst>
+          </p:cNvPr>
+          <p:cNvSpPr>
+            <a:spLocks noGrp="1"/>
+          </p:cNvSpPr>
+          <p:nvPr>
+            <p:ph idx="1"/>
+          </p:nvPr>
+        </p:nvSpPr>
+        <p:spPr>
+          <a:xfrm>
+            <a:off x="838200" y="1825625"/>
+            <a:ext cx="10623884" cy="4351338"/>
+          </a:xfrm>
+        </p:spPr>
+        <p:txBody>
+          <a:bodyPr>
+            <a:normAutofit/>
+          </a:bodyPr>
+          <a:lstStyle/>
+          <a:p>
+            <a:r>
+              <a:rPr lang="de-DE" sz="2000" dirty="0">
+                <a:latin typeface="Bahnschrift" panose="020B0502040204020203" pitchFamily="34" charset="0"/>
+              </a:rPr>
+              <a:t>P</a:t>
+            </a:r>
+            <a:endParaRPr lang="de-DE" sz="1600" dirty="0">
+              <a:latin typeface="Bahnschrift" panose="020B0502040204020203" pitchFamily="34" charset="0"/>
+            </a:endParaRPr>
+          </a:p>
+        </p:txBody>
+      </p:sp>
+      <p:pic>
+        <p:nvPicPr>
+          <p:cNvPr id="4" name="Grafik 3" descr="Ein Bild, das Text enthält.&#10;&#10;Automatisch generierte Beschreibung">
+            <a:extLst>
+              <a:ext uri="{FF2B5EF4-FFF2-40B4-BE49-F238E27FC236}">
+                <a16:creationId xmlns:a16="http://schemas.microsoft.com/office/drawing/2014/main" id="{17619843-12CD-4097-98FD-A4CB5227CF9C}"/>
+              </a:ext>
+            </a:extLst>
+          </p:cNvPr>
+          <p:cNvPicPr>
+            <a:picLocks noChangeAspect="1"/>
+          </p:cNvPicPr>
+          <p:nvPr/>
+        </p:nvPicPr>
+        <p:blipFill>
+          <a:blip r:embed="rId2">
+            <a:extLst>
+              <a:ext uri="{28A0092B-C50C-407E-A947-70E740481C1C}">
+                <a14:useLocalDpi xmlns:a14="http://schemas.microsoft.com/office/drawing/2010/main" val="0"/>
+              </a:ext>
+            </a:extLst>
+          </a:blip>
+          <a:stretch>
+            <a:fillRect/>
+          </a:stretch>
+        </p:blipFill>
+        <p:spPr>
+          <a:xfrm>
+            <a:off x="223934" y="177282"/>
+            <a:ext cx="2453952" cy="617001"/>
+          </a:xfrm>
+          <a:prstGeom prst="rect">
+            <a:avLst/>
+          </a:prstGeom>
+        </p:spPr>
+      </p:pic>
+      <p:pic>
+        <p:nvPicPr>
+          <p:cNvPr id="5" name="Grafik 4">
+            <a:extLst>
+              <a:ext uri="{FF2B5EF4-FFF2-40B4-BE49-F238E27FC236}">
+                <a16:creationId xmlns:a16="http://schemas.microsoft.com/office/drawing/2014/main" id="{FE2650D6-39AC-43CB-8D6E-FC1114815F5B}"/>
+              </a:ext>
+            </a:extLst>
+          </p:cNvPr>
+          <p:cNvPicPr>
+            <a:picLocks noChangeAspect="1"/>
+          </p:cNvPicPr>
+          <p:nvPr/>
+        </p:nvPicPr>
+        <p:blipFill>
+          <a:blip r:embed="rId3">
+            <a:extLst>
+              <a:ext uri="{28A0092B-C50C-407E-A947-70E740481C1C}">
+                <a14:useLocalDpi xmlns:a14="http://schemas.microsoft.com/office/drawing/2010/main" val="0"/>
+              </a:ext>
+            </a:extLst>
+          </a:blip>
+          <a:stretch>
+            <a:fillRect/>
+          </a:stretch>
+        </p:blipFill>
+        <p:spPr>
+          <a:xfrm>
+            <a:off x="10822643" y="93306"/>
+            <a:ext cx="1266721" cy="1380822"/>
+          </a:xfrm>
+          <a:prstGeom prst="rect">
+            <a:avLst/>
+          </a:prstGeom>
+        </p:spPr>
+      </p:pic>
+      <p:sp>
+        <p:nvSpPr>
+          <p:cNvPr id="6" name="Textfeld 5">
+            <a:extLst>
+              <a:ext uri="{FF2B5EF4-FFF2-40B4-BE49-F238E27FC236}">
+                <a16:creationId xmlns:a16="http://schemas.microsoft.com/office/drawing/2014/main" id="{1BBD6F97-93E7-4C42-99EB-D40C8A38AA31}"/>
+              </a:ext>
+            </a:extLst>
+          </p:cNvPr>
+          <p:cNvSpPr txBox="1"/>
+          <p:nvPr/>
+        </p:nvSpPr>
+        <p:spPr>
+          <a:xfrm>
+            <a:off x="8141368" y="6456917"/>
+            <a:ext cx="3947996" cy="307777"/>
+          </a:xfrm>
+          <a:prstGeom prst="rect">
+            <a:avLst/>
+          </a:prstGeom>
+          <a:noFill/>
+        </p:spPr>
+        <p:txBody>
+          <a:bodyPr wrap="square" rtlCol="0">
+            <a:spAutoFit/>
+          </a:bodyPr>
+          <a:lstStyle/>
+          <a:p>
+            <a:pPr algn="r"/>
+            <a:r>
+              <a:rPr lang="de-DE" sz="1400" dirty="0">
+                <a:latin typeface="Bahnschrift" panose="020B0502040204020203" pitchFamily="34" charset="0"/>
+              </a:rPr>
+              <a:t>Christopher Mahn, Silas Teske, Joshua Wolf</a:t>
+            </a:r>
+          </a:p>
+        </p:txBody>
+      </p:sp>
+    </p:spTree>
+    <p:extLst>
+      <p:ext uri="{BB962C8B-B14F-4D97-AF65-F5344CB8AC3E}">
+        <p14:creationId xmlns:p14="http://schemas.microsoft.com/office/powerpoint/2010/main" val="943425334"/>
+      </p:ext>
+    </p:extLst>
+  </p:cSld>
+  <p:clrMapOvr>
+    <a:masterClrMapping/>
+  </p:clrMapOvr>
+</p:sld>
+</file>
+
+<file path=ppt/slides/slide13.xml><?xml version="1.0" encoding="utf-8"?>
+<p:sld xmlns:a="http://schemas.openxmlformats.org/drawingml/2006/main" xmlns:r="http://schemas.openxmlformats.org/officeDocument/2006/relationships" xmlns:p="http://schemas.openxmlformats.org/presentationml/2006/main">
+  <p:cSld>
+    <p:spTree>
+      <p:nvGrpSpPr>
+        <p:cNvPr id="1" name=""/>
+        <p:cNvGrpSpPr/>
+        <p:nvPr/>
+      </p:nvGrpSpPr>
+      <p:grpSpPr>
+        <a:xfrm>
+          <a:off x="0" y="0"/>
+          <a:ext cx="0" cy="0"/>
+          <a:chOff x="0" y="0"/>
+          <a:chExt cx="0" cy="0"/>
+        </a:xfrm>
+      </p:grpSpPr>
+      <p:sp>
+        <p:nvSpPr>
+          <p:cNvPr id="2" name="Titel 1">
+            <a:extLst>
+              <a:ext uri="{FF2B5EF4-FFF2-40B4-BE49-F238E27FC236}">
+                <a16:creationId xmlns:a16="http://schemas.microsoft.com/office/drawing/2014/main" id="{C1747315-2CB4-46C6-8AC2-95B18E1A7746}"/>
+              </a:ext>
+            </a:extLst>
+          </p:cNvPr>
+          <p:cNvSpPr>
+            <a:spLocks noGrp="1"/>
+          </p:cNvSpPr>
+          <p:nvPr>
+            <p:ph type="title"/>
+          </p:nvPr>
+        </p:nvSpPr>
+        <p:spPr>
+          <a:xfrm>
+            <a:off x="1451811" y="365125"/>
+            <a:ext cx="9370832" cy="1325563"/>
+          </a:xfrm>
+        </p:spPr>
+        <p:txBody>
+          <a:bodyPr>
+            <a:normAutofit/>
+          </a:bodyPr>
+          <a:lstStyle/>
+          <a:p>
+            <a:pPr algn="ctr"/>
+            <a:r>
+              <a:rPr lang="de-DE" sz="3600" dirty="0">
+                <a:latin typeface="Bahnschrift" panose="020B0502040204020203" pitchFamily="34" charset="0"/>
+              </a:rPr>
+              <a:t>f) </a:t>
+            </a:r>
+            <a:r>
+              <a:rPr lang="en-US" sz="3600" dirty="0">
+                <a:latin typeface="Bahnschrift" panose="020B0502040204020203" pitchFamily="34" charset="0"/>
+              </a:rPr>
+              <a:t>Interpolation of missing GRACE months</a:t>
+            </a:r>
+            <a:endParaRPr lang="de-DE" sz="4000" dirty="0">
+              <a:latin typeface="Bahnschrift" panose="020B0502040204020203" pitchFamily="34" charset="0"/>
+            </a:endParaRPr>
+          </a:p>
+        </p:txBody>
+      </p:sp>
+      <p:sp>
+        <p:nvSpPr>
+          <p:cNvPr id="3" name="Inhaltsplatzhalter 2">
+            <a:extLst>
+              <a:ext uri="{FF2B5EF4-FFF2-40B4-BE49-F238E27FC236}">
+                <a16:creationId xmlns:a16="http://schemas.microsoft.com/office/drawing/2014/main" id="{C734E635-B60E-4608-9187-A76C7679EDCA}"/>
+              </a:ext>
+            </a:extLst>
+          </p:cNvPr>
+          <p:cNvSpPr>
+            <a:spLocks noGrp="1"/>
+          </p:cNvSpPr>
+          <p:nvPr>
+            <p:ph idx="1"/>
+          </p:nvPr>
+        </p:nvSpPr>
+        <p:spPr>
+          <a:xfrm>
+            <a:off x="838200" y="1825625"/>
+            <a:ext cx="10615863" cy="4351338"/>
+          </a:xfrm>
+        </p:spPr>
+        <p:txBody>
+          <a:bodyPr>
+            <a:normAutofit/>
+          </a:bodyPr>
+          <a:lstStyle/>
+          <a:p>
+            <a:r>
+              <a:rPr lang="de-DE" sz="2000" dirty="0">
+                <a:latin typeface="Bahnschrift" panose="020B0502040204020203" pitchFamily="34" charset="0"/>
+              </a:rPr>
+              <a:t>P</a:t>
+            </a:r>
+            <a:endParaRPr lang="de-DE" sz="1600" dirty="0">
+              <a:latin typeface="Bahnschrift" panose="020B0502040204020203" pitchFamily="34" charset="0"/>
+            </a:endParaRPr>
+          </a:p>
+        </p:txBody>
+      </p:sp>
+      <p:pic>
+        <p:nvPicPr>
+          <p:cNvPr id="4" name="Grafik 3" descr="Ein Bild, das Text enthält.&#10;&#10;Automatisch generierte Beschreibung">
+            <a:extLst>
+              <a:ext uri="{FF2B5EF4-FFF2-40B4-BE49-F238E27FC236}">
+                <a16:creationId xmlns:a16="http://schemas.microsoft.com/office/drawing/2014/main" id="{17619843-12CD-4097-98FD-A4CB5227CF9C}"/>
+              </a:ext>
+            </a:extLst>
+          </p:cNvPr>
+          <p:cNvPicPr>
+            <a:picLocks noChangeAspect="1"/>
+          </p:cNvPicPr>
+          <p:nvPr/>
+        </p:nvPicPr>
+        <p:blipFill>
+          <a:blip r:embed="rId2">
+            <a:extLst>
+              <a:ext uri="{28A0092B-C50C-407E-A947-70E740481C1C}">
+                <a14:useLocalDpi xmlns:a14="http://schemas.microsoft.com/office/drawing/2010/main" val="0"/>
+              </a:ext>
+            </a:extLst>
+          </a:blip>
+          <a:stretch>
+            <a:fillRect/>
+          </a:stretch>
+        </p:blipFill>
+        <p:spPr>
+          <a:xfrm>
+            <a:off x="223934" y="177282"/>
+            <a:ext cx="2453952" cy="617001"/>
+          </a:xfrm>
+          <a:prstGeom prst="rect">
+            <a:avLst/>
+          </a:prstGeom>
+        </p:spPr>
+      </p:pic>
+      <p:pic>
+        <p:nvPicPr>
+          <p:cNvPr id="5" name="Grafik 4">
+            <a:extLst>
+              <a:ext uri="{FF2B5EF4-FFF2-40B4-BE49-F238E27FC236}">
+                <a16:creationId xmlns:a16="http://schemas.microsoft.com/office/drawing/2014/main" id="{FE2650D6-39AC-43CB-8D6E-FC1114815F5B}"/>
+              </a:ext>
+            </a:extLst>
+          </p:cNvPr>
+          <p:cNvPicPr>
+            <a:picLocks noChangeAspect="1"/>
+          </p:cNvPicPr>
+          <p:nvPr/>
+        </p:nvPicPr>
+        <p:blipFill>
+          <a:blip r:embed="rId3">
+            <a:extLst>
+              <a:ext uri="{28A0092B-C50C-407E-A947-70E740481C1C}">
+                <a14:useLocalDpi xmlns:a14="http://schemas.microsoft.com/office/drawing/2010/main" val="0"/>
+              </a:ext>
+            </a:extLst>
+          </a:blip>
+          <a:stretch>
+            <a:fillRect/>
+          </a:stretch>
+        </p:blipFill>
+        <p:spPr>
+          <a:xfrm>
+            <a:off x="10822643" y="93306"/>
+            <a:ext cx="1266721" cy="1380822"/>
+          </a:xfrm>
+          <a:prstGeom prst="rect">
+            <a:avLst/>
+          </a:prstGeom>
+        </p:spPr>
+      </p:pic>
+      <p:sp>
+        <p:nvSpPr>
+          <p:cNvPr id="6" name="Textfeld 5">
+            <a:extLst>
+              <a:ext uri="{FF2B5EF4-FFF2-40B4-BE49-F238E27FC236}">
+                <a16:creationId xmlns:a16="http://schemas.microsoft.com/office/drawing/2014/main" id="{1BBD6F97-93E7-4C42-99EB-D40C8A38AA31}"/>
+              </a:ext>
+            </a:extLst>
+          </p:cNvPr>
+          <p:cNvSpPr txBox="1"/>
+          <p:nvPr/>
+        </p:nvSpPr>
+        <p:spPr>
+          <a:xfrm>
+            <a:off x="8141368" y="6456917"/>
+            <a:ext cx="3947996" cy="307777"/>
+          </a:xfrm>
+          <a:prstGeom prst="rect">
+            <a:avLst/>
+          </a:prstGeom>
+          <a:noFill/>
+        </p:spPr>
+        <p:txBody>
+          <a:bodyPr wrap="square" rtlCol="0">
+            <a:spAutoFit/>
+          </a:bodyPr>
+          <a:lstStyle/>
+          <a:p>
+            <a:pPr algn="r"/>
+            <a:r>
+              <a:rPr lang="de-DE" sz="1400" dirty="0">
+                <a:latin typeface="Bahnschrift" panose="020B0502040204020203" pitchFamily="34" charset="0"/>
+              </a:rPr>
+              <a:t>Christopher Mahn, Silas Teske, Joshua Wolf</a:t>
+            </a:r>
+          </a:p>
+        </p:txBody>
+      </p:sp>
+    </p:spTree>
+    <p:extLst>
+      <p:ext uri="{BB962C8B-B14F-4D97-AF65-F5344CB8AC3E}">
+        <p14:creationId xmlns:p14="http://schemas.microsoft.com/office/powerpoint/2010/main" val="694908533"/>
+      </p:ext>
+    </p:extLst>
+  </p:cSld>
+  <p:clrMapOvr>
+    <a:masterClrMapping/>
+  </p:clrMapOvr>
+</p:sld>
+</file>
+
+<file path=ppt/slides/slide14.xml><?xml version="1.0" encoding="utf-8"?>
+<p:sld xmlns:a="http://schemas.openxmlformats.org/drawingml/2006/main" xmlns:r="http://schemas.openxmlformats.org/officeDocument/2006/relationships" xmlns:p="http://schemas.openxmlformats.org/presentationml/2006/main">
+  <p:cSld>
+    <p:spTree>
+      <p:nvGrpSpPr>
+        <p:cNvPr id="1" name=""/>
+        <p:cNvGrpSpPr/>
+        <p:nvPr/>
+      </p:nvGrpSpPr>
+      <p:grpSpPr>
+        <a:xfrm>
+          <a:off x="0" y="0"/>
+          <a:ext cx="0" cy="0"/>
+          <a:chOff x="0" y="0"/>
+          <a:chExt cx="0" cy="0"/>
+        </a:xfrm>
+      </p:grpSpPr>
+      <p:sp>
+        <p:nvSpPr>
+          <p:cNvPr id="2" name="Titel 1">
+            <a:extLst>
+              <a:ext uri="{FF2B5EF4-FFF2-40B4-BE49-F238E27FC236}">
+                <a16:creationId xmlns:a16="http://schemas.microsoft.com/office/drawing/2014/main" id="{C1747315-2CB4-46C6-8AC2-95B18E1A7746}"/>
+              </a:ext>
+            </a:extLst>
+          </p:cNvPr>
+          <p:cNvSpPr>
+            <a:spLocks noGrp="1"/>
+          </p:cNvSpPr>
+          <p:nvPr>
+            <p:ph type="title"/>
+          </p:nvPr>
+        </p:nvSpPr>
+        <p:spPr>
+          <a:xfrm>
+            <a:off x="1451811" y="365125"/>
+            <a:ext cx="9370832" cy="1325563"/>
+          </a:xfrm>
+        </p:spPr>
+        <p:txBody>
+          <a:bodyPr>
+            <a:normAutofit/>
+          </a:bodyPr>
+          <a:lstStyle/>
+          <a:p>
+            <a:pPr algn="ctr"/>
+            <a:r>
+              <a:rPr lang="de-DE" sz="3600" dirty="0">
+                <a:latin typeface="Bahnschrift" panose="020B0502040204020203" pitchFamily="34" charset="0"/>
+              </a:rPr>
               <a:t>g) </a:t>
             </a:r>
             <a:r>
@@ -4238,7 +4784,7 @@
 </p:sld>
 </file>
 
-<file path=ppt/slides/slide13.xml><?xml version="1.0" encoding="utf-8"?>
+<file path=ppt/slides/slide15.xml><?xml version="1.0" encoding="utf-8"?>
 <p:sld xmlns:a="http://schemas.openxmlformats.org/drawingml/2006/main" xmlns:r="http://schemas.openxmlformats.org/officeDocument/2006/relationships" xmlns:p="http://schemas.openxmlformats.org/presentationml/2006/main">
   <p:cSld>
     <p:spTree>
@@ -4641,7 +5187,7 @@
 </p:sld>
 </file>
 
-<file path=ppt/slides/slide14.xml><?xml version="1.0" encoding="utf-8"?>
+<file path=ppt/slides/slide16.xml><?xml version="1.0" encoding="utf-8"?>
 <p:sld xmlns:a="http://schemas.openxmlformats.org/drawingml/2006/main" xmlns:r="http://schemas.openxmlformats.org/officeDocument/2006/relationships" xmlns:p="http://schemas.openxmlformats.org/presentationml/2006/main">
   <p:cSld>
     <p:spTree>
@@ -4868,7 +5414,7 @@
 </p:sld>
 </file>
 
-<file path=ppt/slides/slide15.xml><?xml version="1.0" encoding="utf-8"?>
+<file path=ppt/slides/slide17.xml><?xml version="1.0" encoding="utf-8"?>
 <p:sld xmlns:a="http://schemas.openxmlformats.org/drawingml/2006/main" xmlns:r="http://schemas.openxmlformats.org/officeDocument/2006/relationships" xmlns:p="http://schemas.openxmlformats.org/presentationml/2006/main">
   <p:cSld>
     <p:spTree>
@@ -5096,7 +5642,7 @@
 </p:sld>
 </file>
 
-<file path=ppt/slides/slide16.xml><?xml version="1.0" encoding="utf-8"?>
+<file path=ppt/slides/slide18.xml><?xml version="1.0" encoding="utf-8"?>
 <p:sld xmlns:a="http://schemas.openxmlformats.org/drawingml/2006/main" xmlns:r="http://schemas.openxmlformats.org/officeDocument/2006/relationships" xmlns:p="http://schemas.openxmlformats.org/presentationml/2006/main">
   <p:cSld>
     <p:spTree>
@@ -6303,10 +6849,10 @@
       </p:grpSpPr>
       <p:pic>
         <p:nvPicPr>
-          <p:cNvPr id="8" name="Grafik 7">
-            <a:extLst>
-              <a:ext uri="{FF2B5EF4-FFF2-40B4-BE49-F238E27FC236}">
-                <a16:creationId xmlns:a16="http://schemas.microsoft.com/office/drawing/2014/main" id="{F6FF1E03-67CA-D959-706F-8C7BDA539517}"/>
+          <p:cNvPr id="12" name="Grafik 11">
+            <a:extLst>
+              <a:ext uri="{FF2B5EF4-FFF2-40B4-BE49-F238E27FC236}">
+                <a16:creationId xmlns:a16="http://schemas.microsoft.com/office/drawing/2014/main" id="{22A7F888-FFAC-4A34-BABF-AF2C52F717B7}"/>
               </a:ext>
             </a:extLst>
           </p:cNvPr>
@@ -6323,152 +6869,20 @@
         </p:blipFill>
         <p:spPr>
           <a:xfrm>
-            <a:off x="8141368" y="1962507"/>
-            <a:ext cx="3842740" cy="3478986"/>
+            <a:off x="153085" y="3104147"/>
+            <a:ext cx="8069406" cy="3660547"/>
           </a:xfrm>
           <a:prstGeom prst="rect">
             <a:avLst/>
           </a:prstGeom>
         </p:spPr>
       </p:pic>
-      <p:sp>
-        <p:nvSpPr>
-          <p:cNvPr id="2" name="Titel 1">
-            <a:extLst>
-              <a:ext uri="{FF2B5EF4-FFF2-40B4-BE49-F238E27FC236}">
-                <a16:creationId xmlns:a16="http://schemas.microsoft.com/office/drawing/2014/main" id="{C1747315-2CB4-46C6-8AC2-95B18E1A7746}"/>
-              </a:ext>
-            </a:extLst>
-          </p:cNvPr>
-          <p:cNvSpPr>
-            <a:spLocks noGrp="1"/>
-          </p:cNvSpPr>
-          <p:nvPr>
-            <p:ph type="title"/>
-          </p:nvPr>
-        </p:nvSpPr>
-        <p:spPr/>
-        <p:txBody>
-          <a:bodyPr>
-            <a:normAutofit/>
-          </a:bodyPr>
-          <a:lstStyle/>
-          <a:p>
-            <a:pPr algn="ctr"/>
-            <a:r>
-              <a:rPr lang="de-DE" sz="3600" dirty="0">
-                <a:latin typeface="Bahnschrift" panose="020B0502040204020203" pitchFamily="34" charset="0"/>
-              </a:rPr>
-              <a:t>1. Introduction</a:t>
-            </a:r>
-            <a:endParaRPr lang="de-DE" sz="4000" dirty="0">
-              <a:latin typeface="Bahnschrift" panose="020B0502040204020203" pitchFamily="34" charset="0"/>
-            </a:endParaRPr>
-          </a:p>
-        </p:txBody>
-      </p:sp>
-      <p:sp>
-        <p:nvSpPr>
-          <p:cNvPr id="3" name="Inhaltsplatzhalter 2">
-            <a:extLst>
-              <a:ext uri="{FF2B5EF4-FFF2-40B4-BE49-F238E27FC236}">
-                <a16:creationId xmlns:a16="http://schemas.microsoft.com/office/drawing/2014/main" id="{C734E635-B60E-4608-9187-A76C7679EDCA}"/>
-              </a:ext>
-            </a:extLst>
-          </p:cNvPr>
-          <p:cNvSpPr>
-            <a:spLocks noGrp="1"/>
-          </p:cNvSpPr>
-          <p:nvPr>
-            <p:ph idx="1"/>
-          </p:nvPr>
-        </p:nvSpPr>
-        <p:spPr>
-          <a:xfrm>
-            <a:off x="838200" y="1825625"/>
-            <a:ext cx="7495674" cy="4351338"/>
-          </a:xfrm>
-        </p:spPr>
-        <p:txBody>
-          <a:bodyPr>
-            <a:normAutofit/>
-          </a:bodyPr>
-          <a:lstStyle/>
-          <a:p>
-            <a:r>
-              <a:rPr lang="de-DE" sz="2000" dirty="0">
-                <a:latin typeface="Bahnschrift" panose="020B0502040204020203" pitchFamily="34" charset="0"/>
-              </a:rPr>
-              <a:t>Mass changes can be observed using gravimetric methods</a:t>
-            </a:r>
-          </a:p>
-          <a:p>
-            <a:pPr lvl="1">
-              <a:buFont typeface="Wingdings" panose="05000000000000000000" pitchFamily="2" charset="2"/>
-              <a:buChar char="Ø"/>
-            </a:pPr>
-            <a:r>
-              <a:rPr lang="de-DE" sz="1600" dirty="0">
-                <a:latin typeface="Bahnschrift" panose="020B0502040204020203" pitchFamily="34" charset="0"/>
-              </a:rPr>
-              <a:t>t</a:t>
-            </a:r>
-            <a:r>
-              <a:rPr lang="de-DE" sz="900" dirty="0">
-                <a:latin typeface="Bahnschrift" panose="020B0502040204020203" pitchFamily="34" charset="0"/>
-              </a:rPr>
-              <a:t>0</a:t>
-            </a:r>
-            <a:r>
-              <a:rPr lang="de-DE" sz="1600" dirty="0">
-                <a:latin typeface="Bahnschrift" panose="020B0502040204020203" pitchFamily="34" charset="0"/>
-              </a:rPr>
-              <a:t> = more mass = higher gravitational force</a:t>
-            </a:r>
-          </a:p>
-          <a:p>
-            <a:pPr lvl="1">
-              <a:buFont typeface="Wingdings" panose="05000000000000000000" pitchFamily="2" charset="2"/>
-              <a:buChar char="Ø"/>
-            </a:pPr>
-            <a:r>
-              <a:rPr lang="de-DE" sz="1600" dirty="0">
-                <a:latin typeface="Bahnschrift" panose="020B0502040204020203" pitchFamily="34" charset="0"/>
-              </a:rPr>
-              <a:t>t</a:t>
-            </a:r>
-            <a:r>
-              <a:rPr lang="de-DE" sz="900" dirty="0">
-                <a:latin typeface="Bahnschrift" panose="020B0502040204020203" pitchFamily="34" charset="0"/>
-              </a:rPr>
-              <a:t>1</a:t>
-            </a:r>
-            <a:r>
-              <a:rPr lang="de-DE" sz="1600" dirty="0">
-                <a:latin typeface="Bahnschrift" panose="020B0502040204020203" pitchFamily="34" charset="0"/>
-              </a:rPr>
-              <a:t> = less mass = lower gravitational force</a:t>
-            </a:r>
-            <a:endParaRPr lang="de-DE" sz="2000" dirty="0">
-              <a:latin typeface="Bahnschrift" panose="020B0502040204020203" pitchFamily="34" charset="0"/>
-            </a:endParaRPr>
-          </a:p>
-          <a:p>
-            <a:r>
-              <a:rPr lang="de-DE" sz="2000" dirty="0">
-                <a:latin typeface="Bahnschrift" panose="020B0502040204020203" pitchFamily="34" charset="0"/>
-              </a:rPr>
-              <a:t>EWH</a:t>
-            </a:r>
-          </a:p>
-        </p:txBody>
-      </p:sp>
       <p:pic>
         <p:nvPicPr>
-          <p:cNvPr id="4" name="Grafik 3" descr="Ein Bild, das Text enthält.&#10;&#10;Automatisch generierte Beschreibung">
-            <a:extLst>
-              <a:ext uri="{FF2B5EF4-FFF2-40B4-BE49-F238E27FC236}">
-                <a16:creationId xmlns:a16="http://schemas.microsoft.com/office/drawing/2014/main" id="{17619843-12CD-4097-98FD-A4CB5227CF9C}"/>
+          <p:cNvPr id="8" name="Grafik 7">
+            <a:extLst>
+              <a:ext uri="{FF2B5EF4-FFF2-40B4-BE49-F238E27FC236}">
+                <a16:creationId xmlns:a16="http://schemas.microsoft.com/office/drawing/2014/main" id="{F6FF1E03-67CA-D959-706F-8C7BDA539517}"/>
               </a:ext>
             </a:extLst>
           </p:cNvPr>
@@ -6478,33 +6892,203 @@
           <p:nvPr/>
         </p:nvPicPr>
         <p:blipFill>
-          <a:blip r:embed="rId3">
-            <a:extLst>
-              <a:ext uri="{28A0092B-C50C-407E-A947-70E740481C1C}">
-                <a14:useLocalDpi xmlns:a14="http://schemas.microsoft.com/office/drawing/2010/main" val="0"/>
-              </a:ext>
-            </a:extLst>
-          </a:blip>
+          <a:blip r:embed="rId3"/>
           <a:stretch>
             <a:fillRect/>
           </a:stretch>
         </p:blipFill>
         <p:spPr>
           <a:xfrm>
-            <a:off x="223934" y="177282"/>
-            <a:ext cx="2453952" cy="617001"/>
+            <a:off x="8141368" y="1962507"/>
+            <a:ext cx="3842740" cy="3478986"/>
           </a:xfrm>
           <a:prstGeom prst="rect">
             <a:avLst/>
           </a:prstGeom>
         </p:spPr>
       </p:pic>
+      <p:sp>
+        <p:nvSpPr>
+          <p:cNvPr id="2" name="Titel 1">
+            <a:extLst>
+              <a:ext uri="{FF2B5EF4-FFF2-40B4-BE49-F238E27FC236}">
+                <a16:creationId xmlns:a16="http://schemas.microsoft.com/office/drawing/2014/main" id="{C1747315-2CB4-46C6-8AC2-95B18E1A7746}"/>
+              </a:ext>
+            </a:extLst>
+          </p:cNvPr>
+          <p:cNvSpPr>
+            <a:spLocks noGrp="1"/>
+          </p:cNvSpPr>
+          <p:nvPr>
+            <p:ph type="title"/>
+          </p:nvPr>
+        </p:nvSpPr>
+        <p:spPr/>
+        <p:txBody>
+          <a:bodyPr>
+            <a:normAutofit/>
+          </a:bodyPr>
+          <a:lstStyle/>
+          <a:p>
+            <a:pPr algn="ctr"/>
+            <a:r>
+              <a:rPr lang="de-DE" sz="3600" dirty="0">
+                <a:latin typeface="Bahnschrift" panose="020B0502040204020203" pitchFamily="34" charset="0"/>
+              </a:rPr>
+              <a:t>1. Introduction</a:t>
+            </a:r>
+            <a:endParaRPr lang="de-DE" sz="4000" dirty="0">
+              <a:latin typeface="Bahnschrift" panose="020B0502040204020203" pitchFamily="34" charset="0"/>
+            </a:endParaRPr>
+          </a:p>
+        </p:txBody>
+      </p:sp>
+      <p:sp>
+        <p:nvSpPr>
+          <p:cNvPr id="3" name="Inhaltsplatzhalter 2">
+            <a:extLst>
+              <a:ext uri="{FF2B5EF4-FFF2-40B4-BE49-F238E27FC236}">
+                <a16:creationId xmlns:a16="http://schemas.microsoft.com/office/drawing/2014/main" id="{C734E635-B60E-4608-9187-A76C7679EDCA}"/>
+              </a:ext>
+            </a:extLst>
+          </p:cNvPr>
+          <p:cNvSpPr>
+            <a:spLocks noGrp="1"/>
+          </p:cNvSpPr>
+          <p:nvPr>
+            <p:ph idx="1"/>
+          </p:nvPr>
+        </p:nvSpPr>
+        <p:spPr>
+          <a:xfrm>
+            <a:off x="838200" y="1825625"/>
+            <a:ext cx="7495674" cy="4351338"/>
+          </a:xfrm>
+        </p:spPr>
+        <p:txBody>
+          <a:bodyPr>
+            <a:normAutofit/>
+          </a:bodyPr>
+          <a:lstStyle/>
+          <a:p>
+            <a:r>
+              <a:rPr lang="de-DE" sz="2000" dirty="0">
+                <a:latin typeface="Bahnschrift" panose="020B0502040204020203" pitchFamily="34" charset="0"/>
+              </a:rPr>
+              <a:t>Mass changes can be observed using gravimetric methods</a:t>
+            </a:r>
+          </a:p>
+          <a:p>
+            <a:pPr lvl="1">
+              <a:buFont typeface="Wingdings" panose="05000000000000000000" pitchFamily="2" charset="2"/>
+              <a:buChar char="Ø"/>
+            </a:pPr>
+            <a:r>
+              <a:rPr lang="de-DE" sz="1600" dirty="0">
+                <a:latin typeface="Bahnschrift" panose="020B0502040204020203" pitchFamily="34" charset="0"/>
+              </a:rPr>
+              <a:t>t</a:t>
+            </a:r>
+            <a:r>
+              <a:rPr lang="de-DE" sz="900" dirty="0">
+                <a:latin typeface="Bahnschrift" panose="020B0502040204020203" pitchFamily="34" charset="0"/>
+              </a:rPr>
+              <a:t>0</a:t>
+            </a:r>
+            <a:r>
+              <a:rPr lang="de-DE" sz="1600" dirty="0">
+                <a:latin typeface="Bahnschrift" panose="020B0502040204020203" pitchFamily="34" charset="0"/>
+              </a:rPr>
+              <a:t> = more mass = higher gravitational force</a:t>
+            </a:r>
+          </a:p>
+          <a:p>
+            <a:pPr lvl="1">
+              <a:buFont typeface="Wingdings" panose="05000000000000000000" pitchFamily="2" charset="2"/>
+              <a:buChar char="Ø"/>
+            </a:pPr>
+            <a:r>
+              <a:rPr lang="de-DE" sz="1600" dirty="0">
+                <a:latin typeface="Bahnschrift" panose="020B0502040204020203" pitchFamily="34" charset="0"/>
+              </a:rPr>
+              <a:t>t</a:t>
+            </a:r>
+            <a:r>
+              <a:rPr lang="de-DE" sz="900" dirty="0">
+                <a:latin typeface="Bahnschrift" panose="020B0502040204020203" pitchFamily="34" charset="0"/>
+              </a:rPr>
+              <a:t>1</a:t>
+            </a:r>
+            <a:r>
+              <a:rPr lang="de-DE" sz="1600" dirty="0">
+                <a:latin typeface="Bahnschrift" panose="020B0502040204020203" pitchFamily="34" charset="0"/>
+              </a:rPr>
+              <a:t> = less mass = lower gravitational force</a:t>
+            </a:r>
+            <a:endParaRPr lang="de-DE" sz="2000" dirty="0">
+              <a:latin typeface="Bahnschrift" panose="020B0502040204020203" pitchFamily="34" charset="0"/>
+            </a:endParaRPr>
+          </a:p>
+          <a:p>
+            <a:r>
+              <a:rPr lang="de-DE" sz="2000" dirty="0" err="1">
+                <a:latin typeface="Bahnschrift" panose="020B0502040204020203" pitchFamily="34" charset="0"/>
+              </a:rPr>
+              <a:t>Equivalent</a:t>
+            </a:r>
+            <a:r>
+              <a:rPr lang="de-DE" sz="2000" dirty="0">
+                <a:latin typeface="Bahnschrift" panose="020B0502040204020203" pitchFamily="34" charset="0"/>
+              </a:rPr>
+              <a:t> </a:t>
+            </a:r>
+            <a:r>
+              <a:rPr lang="de-DE" sz="2000" dirty="0" err="1">
+                <a:latin typeface="Bahnschrift" panose="020B0502040204020203" pitchFamily="34" charset="0"/>
+              </a:rPr>
+              <a:t>water</a:t>
+            </a:r>
+            <a:r>
+              <a:rPr lang="de-DE" sz="2000" dirty="0">
+                <a:latin typeface="Bahnschrift" panose="020B0502040204020203" pitchFamily="34" charset="0"/>
+              </a:rPr>
+              <a:t> </a:t>
+            </a:r>
+            <a:r>
+              <a:rPr lang="de-DE" sz="2000" dirty="0" err="1">
+                <a:latin typeface="Bahnschrift" panose="020B0502040204020203" pitchFamily="34" charset="0"/>
+              </a:rPr>
+              <a:t>heights</a:t>
+            </a:r>
+            <a:r>
+              <a:rPr lang="de-DE" sz="2000" dirty="0">
+                <a:latin typeface="Bahnschrift" panose="020B0502040204020203" pitchFamily="34" charset="0"/>
+              </a:rPr>
+              <a:t> (EWH)</a:t>
+            </a:r>
+          </a:p>
+          <a:p>
+            <a:pPr lvl="1">
+              <a:buFont typeface="Wingdings" panose="05000000000000000000" pitchFamily="2" charset="2"/>
+              <a:buChar char="Ø"/>
+            </a:pPr>
+            <a:endParaRPr lang="de-DE" sz="1600" dirty="0">
+              <a:latin typeface="Bahnschrift" panose="020B0502040204020203" pitchFamily="34" charset="0"/>
+            </a:endParaRPr>
+          </a:p>
+          <a:p>
+            <a:endParaRPr lang="de-DE" sz="2000" dirty="0">
+              <a:latin typeface="Bahnschrift" panose="020B0502040204020203" pitchFamily="34" charset="0"/>
+            </a:endParaRPr>
+          </a:p>
+        </p:txBody>
+      </p:sp>
       <p:pic>
         <p:nvPicPr>
-          <p:cNvPr id="5" name="Grafik 4">
-            <a:extLst>
-              <a:ext uri="{FF2B5EF4-FFF2-40B4-BE49-F238E27FC236}">
-                <a16:creationId xmlns:a16="http://schemas.microsoft.com/office/drawing/2014/main" id="{FE2650D6-39AC-43CB-8D6E-FC1114815F5B}"/>
+          <p:cNvPr id="4" name="Grafik 3" descr="Ein Bild, das Text enthält.&#10;&#10;Automatisch generierte Beschreibung">
+            <a:extLst>
+              <a:ext uri="{FF2B5EF4-FFF2-40B4-BE49-F238E27FC236}">
+                <a16:creationId xmlns:a16="http://schemas.microsoft.com/office/drawing/2014/main" id="{17619843-12CD-4097-98FD-A4CB5227CF9C}"/>
               </a:ext>
             </a:extLst>
           </p:cNvPr>
@@ -6515,6 +7099,42 @@
         </p:nvPicPr>
         <p:blipFill>
           <a:blip r:embed="rId4">
+            <a:extLst>
+              <a:ext uri="{28A0092B-C50C-407E-A947-70E740481C1C}">
+                <a14:useLocalDpi xmlns:a14="http://schemas.microsoft.com/office/drawing/2010/main" val="0"/>
+              </a:ext>
+            </a:extLst>
+          </a:blip>
+          <a:stretch>
+            <a:fillRect/>
+          </a:stretch>
+        </p:blipFill>
+        <p:spPr>
+          <a:xfrm>
+            <a:off x="223934" y="177282"/>
+            <a:ext cx="2453952" cy="617001"/>
+          </a:xfrm>
+          <a:prstGeom prst="rect">
+            <a:avLst/>
+          </a:prstGeom>
+        </p:spPr>
+      </p:pic>
+      <p:pic>
+        <p:nvPicPr>
+          <p:cNvPr id="5" name="Grafik 4">
+            <a:extLst>
+              <a:ext uri="{FF2B5EF4-FFF2-40B4-BE49-F238E27FC236}">
+                <a16:creationId xmlns:a16="http://schemas.microsoft.com/office/drawing/2014/main" id="{FE2650D6-39AC-43CB-8D6E-FC1114815F5B}"/>
+              </a:ext>
+            </a:extLst>
+          </p:cNvPr>
+          <p:cNvPicPr>
+            <a:picLocks noChangeAspect="1"/>
+          </p:cNvPicPr>
+          <p:nvPr/>
+        </p:nvPicPr>
+        <p:blipFill>
+          <a:blip r:embed="rId5">
             <a:extLst>
               <a:ext uri="{28A0092B-C50C-407E-A947-70E740481C1C}">
                 <a14:useLocalDpi xmlns:a14="http://schemas.microsoft.com/office/drawing/2010/main" val="0"/>
@@ -6669,7 +7289,7 @@
               <a:rPr lang="de-DE" sz="3600" dirty="0">
                 <a:latin typeface="Bahnschrift" panose="020B0502040204020203" pitchFamily="34" charset="0"/>
               </a:rPr>
-              <a:t>2. Data processing</a:t>
+              <a:t>1. Introduction</a:t>
             </a:r>
             <a:endParaRPr lang="de-DE" sz="4000" dirty="0">
               <a:latin typeface="Bahnschrift" panose="020B0502040204020203" pitchFamily="34" charset="0"/>
@@ -6696,7 +7316,7 @@
         <p:spPr>
           <a:xfrm>
             <a:off x="838200" y="1825625"/>
-            <a:ext cx="3475229" cy="4351338"/>
+            <a:ext cx="7495674" cy="4351338"/>
           </a:xfrm>
         </p:spPr>
         <p:txBody>
@@ -6706,28 +7326,34 @@
           <a:lstStyle/>
           <a:p>
             <a:r>
+              <a:rPr lang="de-DE" sz="2000" dirty="0" err="1">
+                <a:latin typeface="Bahnschrift" panose="020B0502040204020203" pitchFamily="34" charset="0"/>
+              </a:rPr>
+              <a:t>Necessary</a:t>
+            </a:r>
+            <a:r>
               <a:rPr lang="de-DE" sz="2000" dirty="0">
                 <a:latin typeface="Bahnschrift" panose="020B0502040204020203" pitchFamily="34" charset="0"/>
               </a:rPr>
-              <a:t>Python </a:t>
+              <a:t> </a:t>
             </a:r>
             <a:r>
               <a:rPr lang="de-DE" sz="2000" dirty="0" err="1">
                 <a:latin typeface="Bahnschrift" panose="020B0502040204020203" pitchFamily="34" charset="0"/>
               </a:rPr>
-              <a:t>scripts</a:t>
+              <a:t>Steps</a:t>
             </a:r>
             <a:r>
               <a:rPr lang="de-DE" sz="2000" dirty="0">
                 <a:latin typeface="Bahnschrift" panose="020B0502040204020203" pitchFamily="34" charset="0"/>
               </a:rPr>
-              <a:t> and a </a:t>
+              <a:t> </a:t>
             </a:r>
             <a:r>
               <a:rPr lang="de-DE" sz="2000" dirty="0" err="1">
                 <a:latin typeface="Bahnschrift" panose="020B0502040204020203" pitchFamily="34" charset="0"/>
               </a:rPr>
-              <a:t>library</a:t>
+              <a:t>while</a:t>
             </a:r>
             <a:r>
               <a:rPr lang="de-DE" sz="2000" dirty="0">
@@ -6739,24 +7365,37 @@
               <a:rPr lang="de-DE" sz="2000" dirty="0" err="1">
                 <a:latin typeface="Bahnschrift" panose="020B0502040204020203" pitchFamily="34" charset="0"/>
               </a:rPr>
-              <a:t>for</a:t>
+              <a:t>processing</a:t>
             </a:r>
             <a:r>
               <a:rPr lang="de-DE" sz="2000" dirty="0">
                 <a:latin typeface="Bahnschrift" panose="020B0502040204020203" pitchFamily="34" charset="0"/>
               </a:rPr>
-              <a:t> different </a:t>
-            </a:r>
-            <a:br>
+              <a:t> </a:t>
+            </a:r>
+            <a:r>
+              <a:rPr lang="de-DE" sz="2000" dirty="0" err="1">
+                <a:latin typeface="Bahnschrift" panose="020B0502040204020203" pitchFamily="34" charset="0"/>
+              </a:rPr>
+              <a:t>the</a:t>
+            </a:r>
+            <a:r>
               <a:rPr lang="de-DE" sz="2000" dirty="0">
                 <a:latin typeface="Bahnschrift" panose="020B0502040204020203" pitchFamily="34" charset="0"/>
               </a:rPr>
-            </a:br>
+              <a:t> </a:t>
+            </a:r>
+            <a:r>
+              <a:rPr lang="de-DE" sz="2000" dirty="0" err="1">
+                <a:latin typeface="Bahnschrift" panose="020B0502040204020203" pitchFamily="34" charset="0"/>
+              </a:rPr>
+              <a:t>data</a:t>
+            </a:r>
             <a:r>
               <a:rPr lang="de-DE" sz="2000" dirty="0">
                 <a:latin typeface="Bahnschrift" panose="020B0502040204020203" pitchFamily="34" charset="0"/>
               </a:rPr>
-              <a:t>sub-tasks:</a:t>
+              <a:t>:</a:t>
             </a:r>
           </a:p>
           <a:p>
@@ -6765,10 +7404,10 @@
               <a:buChar char="Ø"/>
             </a:pPr>
             <a:r>
-              <a:rPr lang="de-DE" sz="1600" dirty="0">
-                <a:latin typeface="Bahnschrift" panose="020B0502040204020203" pitchFamily="34" charset="0"/>
-              </a:rPr>
-              <a:t>main.py</a:t>
+              <a:rPr lang="en-US" sz="1600" dirty="0">
+                <a:latin typeface="Bahnschrift" panose="020B0502040204020203" pitchFamily="34" charset="0"/>
+              </a:rPr>
+              <a:t>Removal of the static gravity field</a:t>
             </a:r>
           </a:p>
           <a:p>
@@ -6777,10 +7416,64 @@
               <a:buChar char="Ø"/>
             </a:pPr>
             <a:r>
-              <a:rPr lang="de-DE" sz="1600" dirty="0">
-                <a:latin typeface="Bahnschrift" panose="020B0502040204020203" pitchFamily="34" charset="0"/>
-              </a:rPr>
-              <a:t>data_processing.py</a:t>
+              <a:rPr lang="en-US" sz="1600" dirty="0">
+                <a:latin typeface="Bahnschrift" panose="020B0502040204020203" pitchFamily="34" charset="0"/>
+              </a:rPr>
+              <a:t>Calculation of unfiltered equivalent water heights</a:t>
+            </a:r>
+          </a:p>
+          <a:p>
+            <a:pPr lvl="2">
+              <a:buFont typeface="Wingdings" panose="05000000000000000000" pitchFamily="2" charset="2"/>
+              <a:buChar char="Ø"/>
+            </a:pPr>
+            <a:r>
+              <a:rPr lang="en-US" sz="1200" dirty="0">
+                <a:latin typeface="Bahnschrift" panose="020B0502040204020203" pitchFamily="34" charset="0"/>
+              </a:rPr>
+              <a:t>Using the load love numbers for approximating the g</a:t>
+            </a:r>
+            <a:r>
+              <a:rPr lang="de-DE" sz="1200" dirty="0" err="1">
+                <a:latin typeface="Bahnschrift" panose="020B0502040204020203" pitchFamily="34" charset="0"/>
+              </a:rPr>
+              <a:t>lacial</a:t>
+            </a:r>
+            <a:r>
+              <a:rPr lang="de-DE" sz="1200" dirty="0">
+                <a:latin typeface="Bahnschrift" panose="020B0502040204020203" pitchFamily="34" charset="0"/>
+              </a:rPr>
+              <a:t> </a:t>
+            </a:r>
+            <a:r>
+              <a:rPr lang="de-DE" sz="1200" dirty="0" err="1">
+                <a:latin typeface="Bahnschrift" panose="020B0502040204020203" pitchFamily="34" charset="0"/>
+              </a:rPr>
+              <a:t>isostatic</a:t>
+            </a:r>
+            <a:r>
+              <a:rPr lang="de-DE" sz="1200" dirty="0">
+                <a:latin typeface="Bahnschrift" panose="020B0502040204020203" pitchFamily="34" charset="0"/>
+              </a:rPr>
+              <a:t> </a:t>
+            </a:r>
+            <a:r>
+              <a:rPr lang="de-DE" sz="1200" dirty="0" err="1">
+                <a:latin typeface="Bahnschrift" panose="020B0502040204020203" pitchFamily="34" charset="0"/>
+              </a:rPr>
+              <a:t>adjustment</a:t>
+            </a:r>
+            <a:r>
+              <a:rPr lang="de-DE" sz="1200" dirty="0">
+                <a:latin typeface="Bahnschrift" panose="020B0502040204020203" pitchFamily="34" charset="0"/>
+              </a:rPr>
+              <a:t> (</a:t>
+            </a:r>
+            <a:r>
+              <a:rPr lang="en-US" sz="1200" dirty="0">
+                <a:latin typeface="Bahnschrift" panose="020B0502040204020203" pitchFamily="34" charset="0"/>
+              </a:rPr>
+              <a:t>GIA)</a:t>
             </a:r>
           </a:p>
           <a:p>
@@ -6789,10 +7482,22 @@
               <a:buChar char="Ø"/>
             </a:pPr>
             <a:r>
-              <a:rPr lang="de-DE" sz="1600" dirty="0">
-                <a:latin typeface="Bahnschrift" panose="020B0502040204020203" pitchFamily="34" charset="0"/>
-              </a:rPr>
-              <a:t>functions.py</a:t>
+              <a:rPr lang="en-US" sz="1600" dirty="0">
+                <a:latin typeface="Bahnschrift" panose="020B0502040204020203" pitchFamily="34" charset="0"/>
+              </a:rPr>
+              <a:t>Filtering of the spherical harmonic coefficients</a:t>
+            </a:r>
+          </a:p>
+          <a:p>
+            <a:pPr lvl="2">
+              <a:buFont typeface="Wingdings" panose="05000000000000000000" pitchFamily="2" charset="2"/>
+              <a:buChar char="Ø"/>
+            </a:pPr>
+            <a:r>
+              <a:rPr lang="en-US" sz="1200" dirty="0">
+                <a:latin typeface="Bahnschrift" panose="020B0502040204020203" pitchFamily="34" charset="0"/>
+              </a:rPr>
+              <a:t>Gaussian filter with various filter radii 	choose one</a:t>
             </a:r>
           </a:p>
           <a:p>
@@ -6801,11 +7506,62 @@
               <a:buChar char="Ø"/>
             </a:pPr>
             <a:r>
-              <a:rPr lang="de-DE" sz="1600" dirty="0">
-                <a:latin typeface="Bahnschrift" panose="020B0502040204020203" pitchFamily="34" charset="0"/>
-              </a:rPr>
-              <a:t>data_plotting.py</a:t>
-            </a:r>
+              <a:rPr lang="en-US" sz="1600" dirty="0">
+                <a:latin typeface="Bahnschrift" panose="020B0502040204020203" pitchFamily="34" charset="0"/>
+              </a:rPr>
+              <a:t>Computation of a time series of region averages</a:t>
+            </a:r>
+          </a:p>
+          <a:p>
+            <a:pPr lvl="1">
+              <a:buFont typeface="Wingdings" panose="05000000000000000000" pitchFamily="2" charset="2"/>
+              <a:buChar char="Ø"/>
+            </a:pPr>
+            <a:r>
+              <a:rPr lang="en-US" sz="1600" dirty="0">
+                <a:latin typeface="Bahnschrift" panose="020B0502040204020203" pitchFamily="34" charset="0"/>
+              </a:rPr>
+              <a:t>Interpolation of missing GRACE months by inserting the average of the previous and the successive mean EWH</a:t>
+            </a:r>
+          </a:p>
+          <a:p>
+            <a:pPr lvl="1">
+              <a:buFont typeface="Wingdings" panose="05000000000000000000" pitchFamily="2" charset="2"/>
+              <a:buChar char="Ø"/>
+            </a:pPr>
+            <a:r>
+              <a:rPr lang="en-US" sz="1600" dirty="0">
+                <a:latin typeface="Bahnschrift" panose="020B0502040204020203" pitchFamily="34" charset="0"/>
+              </a:rPr>
+              <a:t>Estimation of linear mass trend of the interpolated series</a:t>
+            </a:r>
+          </a:p>
+          <a:p>
+            <a:pPr lvl="1">
+              <a:buFont typeface="Wingdings" panose="05000000000000000000" pitchFamily="2" charset="2"/>
+              <a:buChar char="Ø"/>
+            </a:pPr>
+            <a:endParaRPr lang="en-US" sz="1600" dirty="0">
+              <a:latin typeface="Bahnschrift" panose="020B0502040204020203" pitchFamily="34" charset="0"/>
+            </a:endParaRPr>
+          </a:p>
+          <a:p>
+            <a:pPr lvl="1">
+              <a:buFont typeface="Wingdings" panose="05000000000000000000" pitchFamily="2" charset="2"/>
+              <a:buChar char="Ø"/>
+            </a:pPr>
+            <a:endParaRPr lang="en-US" sz="1600" dirty="0">
+              <a:latin typeface="Bahnschrift" panose="020B0502040204020203" pitchFamily="34" charset="0"/>
+            </a:endParaRPr>
+          </a:p>
+          <a:p>
+            <a:pPr lvl="1">
+              <a:buFont typeface="Wingdings" panose="05000000000000000000" pitchFamily="2" charset="2"/>
+              <a:buChar char="Ø"/>
+            </a:pPr>
+            <a:endParaRPr lang="de-DE" sz="1600" dirty="0">
+              <a:latin typeface="Bahnschrift" panose="020B0502040204020203" pitchFamily="34" charset="0"/>
+            </a:endParaRPr>
           </a:p>
         </p:txBody>
       </p:sp>
@@ -6919,40 +7675,56 @@
           </a:p>
         </p:txBody>
       </p:sp>
-      <p:pic>
-        <p:nvPicPr>
-          <p:cNvPr id="14" name="Grafik 13">
-            <a:extLst>
-              <a:ext uri="{FF2B5EF4-FFF2-40B4-BE49-F238E27FC236}">
-                <a16:creationId xmlns:a16="http://schemas.microsoft.com/office/drawing/2014/main" id="{DC84EF6E-28FB-860F-D4F7-30619A26E754}"/>
-              </a:ext>
-            </a:extLst>
-          </p:cNvPr>
-          <p:cNvPicPr>
-            <a:picLocks noChangeAspect="1"/>
-          </p:cNvPicPr>
+      <p:sp>
+        <p:nvSpPr>
+          <p:cNvPr id="7" name="Pfeil: nach rechts 6">
+            <a:extLst>
+              <a:ext uri="{FF2B5EF4-FFF2-40B4-BE49-F238E27FC236}">
+                <a16:creationId xmlns:a16="http://schemas.microsoft.com/office/drawing/2014/main" id="{ECC39692-FEE0-E969-5A6E-4EC222993F1B}"/>
+              </a:ext>
+            </a:extLst>
+          </p:cNvPr>
+          <p:cNvSpPr/>
           <p:nvPr/>
-        </p:nvPicPr>
-        <p:blipFill>
-          <a:blip r:embed="rId4"/>
-          <a:stretch>
-            <a:fillRect/>
-          </a:stretch>
-        </p:blipFill>
-        <p:spPr>
-          <a:xfrm>
-            <a:off x="3992846" y="1745947"/>
-            <a:ext cx="7771454" cy="4371443"/>
-          </a:xfrm>
-          <a:prstGeom prst="rect">
+        </p:nvSpPr>
+        <p:spPr>
+          <a:xfrm>
+            <a:off x="4916906" y="3344779"/>
+            <a:ext cx="312821" cy="84221"/>
+          </a:xfrm>
+          <a:prstGeom prst="rightArrow">
             <a:avLst/>
           </a:prstGeom>
         </p:spPr>
-      </p:pic>
+        <p:style>
+          <a:lnRef idx="2">
+            <a:schemeClr val="accent1">
+              <a:shade val="50000"/>
+            </a:schemeClr>
+          </a:lnRef>
+          <a:fillRef idx="1">
+            <a:schemeClr val="accent1"/>
+          </a:fillRef>
+          <a:effectRef idx="0">
+            <a:schemeClr val="accent1"/>
+          </a:effectRef>
+          <a:fontRef idx="minor">
+            <a:schemeClr val="lt1"/>
+          </a:fontRef>
+        </p:style>
+        <p:txBody>
+          <a:bodyPr rtlCol="0" anchor="ctr"/>
+          <a:lstStyle/>
+          <a:p>
+            <a:pPr algn="ctr"/>
+            <a:endParaRPr lang="de-DE"/>
+          </a:p>
+        </p:txBody>
+      </p:sp>
     </p:spTree>
     <p:extLst>
       <p:ext uri="{BB962C8B-B14F-4D97-AF65-F5344CB8AC3E}">
-        <p14:creationId xmlns:p14="http://schemas.microsoft.com/office/powerpoint/2010/main" val="3495355540"/>
+        <p14:creationId xmlns:p14="http://schemas.microsoft.com/office/powerpoint/2010/main" val="3748191868"/>
       </p:ext>
     </p:extLst>
   </p:cSld>
@@ -7007,7 +7779,7 @@
               <a:rPr lang="de-DE" sz="3600" dirty="0">
                 <a:latin typeface="Bahnschrift" panose="020B0502040204020203" pitchFamily="34" charset="0"/>
               </a:rPr>
-              <a:t>a) Selection of a region of interest</a:t>
+              <a:t>2. Data processing</a:t>
             </a:r>
             <a:endParaRPr lang="de-DE" sz="4000" dirty="0">
               <a:latin typeface="Bahnschrift" panose="020B0502040204020203" pitchFamily="34" charset="0"/>
@@ -7034,7 +7806,7 @@
         <p:spPr>
           <a:xfrm>
             <a:off x="838200" y="1825625"/>
-            <a:ext cx="10623884" cy="4351338"/>
+            <a:ext cx="3475229" cy="4351338"/>
           </a:xfrm>
         </p:spPr>
         <p:txBody>
@@ -7047,11 +7819,103 @@
               <a:rPr lang="de-DE" sz="2000" dirty="0">
                 <a:latin typeface="Bahnschrift" panose="020B0502040204020203" pitchFamily="34" charset="0"/>
               </a:rPr>
-              <a:t>Canadian Province of British Columbia</a:t>
-            </a:r>
-            <a:endParaRPr lang="de-DE" sz="1600" dirty="0">
-              <a:latin typeface="Bahnschrift" panose="020B0502040204020203" pitchFamily="34" charset="0"/>
-            </a:endParaRPr>
+              <a:t>Python </a:t>
+            </a:r>
+            <a:r>
+              <a:rPr lang="de-DE" sz="2000" dirty="0" err="1">
+                <a:latin typeface="Bahnschrift" panose="020B0502040204020203" pitchFamily="34" charset="0"/>
+              </a:rPr>
+              <a:t>scripts</a:t>
+            </a:r>
+            <a:r>
+              <a:rPr lang="de-DE" sz="2000" dirty="0">
+                <a:latin typeface="Bahnschrift" panose="020B0502040204020203" pitchFamily="34" charset="0"/>
+              </a:rPr>
+              <a:t> and a </a:t>
+            </a:r>
+            <a:r>
+              <a:rPr lang="de-DE" sz="2000" dirty="0" err="1">
+                <a:latin typeface="Bahnschrift" panose="020B0502040204020203" pitchFamily="34" charset="0"/>
+              </a:rPr>
+              <a:t>library</a:t>
+            </a:r>
+            <a:r>
+              <a:rPr lang="de-DE" sz="2000" dirty="0">
+                <a:latin typeface="Bahnschrift" panose="020B0502040204020203" pitchFamily="34" charset="0"/>
+              </a:rPr>
+              <a:t> </a:t>
+            </a:r>
+            <a:r>
+              <a:rPr lang="de-DE" sz="2000" dirty="0" err="1">
+                <a:latin typeface="Bahnschrift" panose="020B0502040204020203" pitchFamily="34" charset="0"/>
+              </a:rPr>
+              <a:t>for</a:t>
+            </a:r>
+            <a:r>
+              <a:rPr lang="de-DE" sz="2000" dirty="0">
+                <a:latin typeface="Bahnschrift" panose="020B0502040204020203" pitchFamily="34" charset="0"/>
+              </a:rPr>
+              <a:t> different </a:t>
+            </a:r>
+            <a:br>
+              <a:rPr lang="de-DE" sz="2000" dirty="0">
+                <a:latin typeface="Bahnschrift" panose="020B0502040204020203" pitchFamily="34" charset="0"/>
+              </a:rPr>
+            </a:br>
+            <a:r>
+              <a:rPr lang="de-DE" sz="2000" dirty="0">
+                <a:latin typeface="Bahnschrift" panose="020B0502040204020203" pitchFamily="34" charset="0"/>
+              </a:rPr>
+              <a:t>sub-tasks:</a:t>
+            </a:r>
+          </a:p>
+          <a:p>
+            <a:pPr lvl="1">
+              <a:buFont typeface="Wingdings" panose="05000000000000000000" pitchFamily="2" charset="2"/>
+              <a:buChar char="Ø"/>
+            </a:pPr>
+            <a:r>
+              <a:rPr lang="de-DE" sz="1600" dirty="0">
+                <a:latin typeface="Bahnschrift" panose="020B0502040204020203" pitchFamily="34" charset="0"/>
+              </a:rPr>
+              <a:t>main.py</a:t>
+            </a:r>
+          </a:p>
+          <a:p>
+            <a:pPr lvl="1">
+              <a:buFont typeface="Wingdings" panose="05000000000000000000" pitchFamily="2" charset="2"/>
+              <a:buChar char="Ø"/>
+            </a:pPr>
+            <a:r>
+              <a:rPr lang="de-DE" sz="1600" dirty="0">
+                <a:latin typeface="Bahnschrift" panose="020B0502040204020203" pitchFamily="34" charset="0"/>
+              </a:rPr>
+              <a:t>data_processing.py</a:t>
+            </a:r>
+          </a:p>
+          <a:p>
+            <a:pPr lvl="1">
+              <a:buFont typeface="Wingdings" panose="05000000000000000000" pitchFamily="2" charset="2"/>
+              <a:buChar char="Ø"/>
+            </a:pPr>
+            <a:r>
+              <a:rPr lang="de-DE" sz="1600" dirty="0">
+                <a:latin typeface="Bahnschrift" panose="020B0502040204020203" pitchFamily="34" charset="0"/>
+              </a:rPr>
+              <a:t>functions.py</a:t>
+            </a:r>
+          </a:p>
+          <a:p>
+            <a:pPr lvl="1">
+              <a:buFont typeface="Wingdings" panose="05000000000000000000" pitchFamily="2" charset="2"/>
+              <a:buChar char="Ø"/>
+            </a:pPr>
+            <a:r>
+              <a:rPr lang="de-DE" sz="1600" dirty="0">
+                <a:latin typeface="Bahnschrift" panose="020B0502040204020203" pitchFamily="34" charset="0"/>
+              </a:rPr>
+              <a:t>data_plotting.py</a:t>
+            </a:r>
           </a:p>
         </p:txBody>
       </p:sp>
@@ -7127,12 +7991,50 @@
           </a:prstGeom>
         </p:spPr>
       </p:pic>
+      <p:sp>
+        <p:nvSpPr>
+          <p:cNvPr id="6" name="Textfeld 5">
+            <a:extLst>
+              <a:ext uri="{FF2B5EF4-FFF2-40B4-BE49-F238E27FC236}">
+                <a16:creationId xmlns:a16="http://schemas.microsoft.com/office/drawing/2014/main" id="{1BBD6F97-93E7-4C42-99EB-D40C8A38AA31}"/>
+              </a:ext>
+            </a:extLst>
+          </p:cNvPr>
+          <p:cNvSpPr txBox="1"/>
+          <p:nvPr/>
+        </p:nvSpPr>
+        <p:spPr>
+          <a:xfrm>
+            <a:off x="8141368" y="6456917"/>
+            <a:ext cx="3947996" cy="307777"/>
+          </a:xfrm>
+          <a:prstGeom prst="rect">
+            <a:avLst/>
+          </a:prstGeom>
+          <a:noFill/>
+        </p:spPr>
+        <p:txBody>
+          <a:bodyPr wrap="square" rtlCol="0">
+            <a:spAutoFit/>
+          </a:bodyPr>
+          <a:lstStyle/>
+          <a:p>
+            <a:pPr algn="r"/>
+            <a:r>
+              <a:rPr lang="de-DE" sz="1400" dirty="0">
+                <a:latin typeface="Bahnschrift" panose="020B0502040204020203" pitchFamily="34" charset="0"/>
+              </a:rPr>
+              <a:t>Christopher Mahn, Silas Teske, Joshua Wolf</a:t>
+            </a:r>
+          </a:p>
+        </p:txBody>
+      </p:sp>
       <p:pic>
         <p:nvPicPr>
-          <p:cNvPr id="13" name="Grafik 12">
-            <a:extLst>
-              <a:ext uri="{FF2B5EF4-FFF2-40B4-BE49-F238E27FC236}">
-                <a16:creationId xmlns:a16="http://schemas.microsoft.com/office/drawing/2014/main" id="{30C48829-2A0A-7B7A-D269-1D73F84EE0B1}"/>
+          <p:cNvPr id="14" name="Grafik 13">
+            <a:extLst>
+              <a:ext uri="{FF2B5EF4-FFF2-40B4-BE49-F238E27FC236}">
+                <a16:creationId xmlns:a16="http://schemas.microsoft.com/office/drawing/2014/main" id="{DC84EF6E-28FB-860F-D4F7-30619A26E754}"/>
               </a:ext>
             </a:extLst>
           </p:cNvPr>
@@ -7142,21 +8044,15 @@
           <p:nvPr/>
         </p:nvPicPr>
         <p:blipFill>
-          <a:blip r:embed="rId4">
-            <a:extLst>
-              <a:ext uri="{28A0092B-C50C-407E-A947-70E740481C1C}">
-                <a14:useLocalDpi xmlns:a14="http://schemas.microsoft.com/office/drawing/2010/main" val="0"/>
-              </a:ext>
-            </a:extLst>
-          </a:blip>
+          <a:blip r:embed="rId4"/>
           <a:stretch>
             <a:fillRect/>
           </a:stretch>
         </p:blipFill>
         <p:spPr>
           <a:xfrm>
-            <a:off x="6692696" y="1562100"/>
-            <a:ext cx="5396668" cy="5202594"/>
+            <a:off x="3992846" y="1745947"/>
+            <a:ext cx="7771454" cy="4371443"/>
           </a:xfrm>
           <a:prstGeom prst="rect">
             <a:avLst/>
@@ -7166,7 +8062,7 @@
     </p:spTree>
     <p:extLst>
       <p:ext uri="{BB962C8B-B14F-4D97-AF65-F5344CB8AC3E}">
-        <p14:creationId xmlns:p14="http://schemas.microsoft.com/office/powerpoint/2010/main" val="3247089267"/>
+        <p14:creationId xmlns:p14="http://schemas.microsoft.com/office/powerpoint/2010/main" val="3495355540"/>
       </p:ext>
     </p:extLst>
   </p:cSld>
@@ -7221,37 +8117,7 @@
               <a:rPr lang="de-DE" sz="3600" dirty="0">
                 <a:latin typeface="Bahnschrift" panose="020B0502040204020203" pitchFamily="34" charset="0"/>
               </a:rPr>
-              <a:t>b) </a:t>
-            </a:r>
-            <a:r>
-              <a:rPr lang="de-DE" sz="3600" dirty="0" err="1">
-                <a:latin typeface="Bahnschrift" panose="020B0502040204020203" pitchFamily="34" charset="0"/>
-              </a:rPr>
-              <a:t>Pre</a:t>
-            </a:r>
-            <a:r>
-              <a:rPr lang="de-DE" sz="3600" dirty="0">
-                <a:latin typeface="Bahnschrift" panose="020B0502040204020203" pitchFamily="34" charset="0"/>
-              </a:rPr>
-              <a:t>-processing the </a:t>
-            </a:r>
-            <a:r>
-              <a:rPr lang="de-DE" sz="3600" dirty="0" err="1">
-                <a:latin typeface="Bahnschrift" panose="020B0502040204020203" pitchFamily="34" charset="0"/>
-              </a:rPr>
-              <a:t>monthly</a:t>
-            </a:r>
-            <a:r>
-              <a:rPr lang="de-DE" sz="3600" dirty="0">
-                <a:latin typeface="Bahnschrift" panose="020B0502040204020203" pitchFamily="34" charset="0"/>
-              </a:rPr>
-              <a:t> </a:t>
-            </a:r>
-            <a:r>
-              <a:rPr lang="de-DE" sz="3600" dirty="0" err="1">
-                <a:latin typeface="Bahnschrift" panose="020B0502040204020203" pitchFamily="34" charset="0"/>
-              </a:rPr>
-              <a:t>solutions</a:t>
+              <a:t>2. Data processing</a:t>
             </a:r>
             <a:endParaRPr lang="de-DE" sz="4000" dirty="0">
               <a:latin typeface="Bahnschrift" panose="020B0502040204020203" pitchFamily="34" charset="0"/>
@@ -7278,7 +8144,7 @@
         <p:spPr>
           <a:xfrm>
             <a:off x="838200" y="1825625"/>
-            <a:ext cx="10615863" cy="4351338"/>
+            <a:ext cx="3475229" cy="4351338"/>
           </a:xfrm>
         </p:spPr>
         <p:txBody>
@@ -7291,11 +8157,103 @@
               <a:rPr lang="de-DE" sz="2000" dirty="0">
                 <a:latin typeface="Bahnschrift" panose="020B0502040204020203" pitchFamily="34" charset="0"/>
               </a:rPr>
-              <a:t>P</a:t>
-            </a:r>
-            <a:endParaRPr lang="de-DE" sz="1600" dirty="0">
-              <a:latin typeface="Bahnschrift" panose="020B0502040204020203" pitchFamily="34" charset="0"/>
-            </a:endParaRPr>
+              <a:t>Python </a:t>
+            </a:r>
+            <a:r>
+              <a:rPr lang="de-DE" sz="2000" dirty="0" err="1">
+                <a:latin typeface="Bahnschrift" panose="020B0502040204020203" pitchFamily="34" charset="0"/>
+              </a:rPr>
+              <a:t>scripts</a:t>
+            </a:r>
+            <a:r>
+              <a:rPr lang="de-DE" sz="2000" dirty="0">
+                <a:latin typeface="Bahnschrift" panose="020B0502040204020203" pitchFamily="34" charset="0"/>
+              </a:rPr>
+              <a:t> and a </a:t>
+            </a:r>
+            <a:r>
+              <a:rPr lang="de-DE" sz="2000" dirty="0" err="1">
+                <a:latin typeface="Bahnschrift" panose="020B0502040204020203" pitchFamily="34" charset="0"/>
+              </a:rPr>
+              <a:t>library</a:t>
+            </a:r>
+            <a:r>
+              <a:rPr lang="de-DE" sz="2000" dirty="0">
+                <a:latin typeface="Bahnschrift" panose="020B0502040204020203" pitchFamily="34" charset="0"/>
+              </a:rPr>
+              <a:t> </a:t>
+            </a:r>
+            <a:r>
+              <a:rPr lang="de-DE" sz="2000" dirty="0" err="1">
+                <a:latin typeface="Bahnschrift" panose="020B0502040204020203" pitchFamily="34" charset="0"/>
+              </a:rPr>
+              <a:t>for</a:t>
+            </a:r>
+            <a:r>
+              <a:rPr lang="de-DE" sz="2000" dirty="0">
+                <a:latin typeface="Bahnschrift" panose="020B0502040204020203" pitchFamily="34" charset="0"/>
+              </a:rPr>
+              <a:t> different </a:t>
+            </a:r>
+            <a:br>
+              <a:rPr lang="de-DE" sz="2000" dirty="0">
+                <a:latin typeface="Bahnschrift" panose="020B0502040204020203" pitchFamily="34" charset="0"/>
+              </a:rPr>
+            </a:br>
+            <a:r>
+              <a:rPr lang="de-DE" sz="2000" dirty="0">
+                <a:latin typeface="Bahnschrift" panose="020B0502040204020203" pitchFamily="34" charset="0"/>
+              </a:rPr>
+              <a:t>sub-tasks:</a:t>
+            </a:r>
+          </a:p>
+          <a:p>
+            <a:pPr lvl="1">
+              <a:buFont typeface="Wingdings" panose="05000000000000000000" pitchFamily="2" charset="2"/>
+              <a:buChar char="Ø"/>
+            </a:pPr>
+            <a:r>
+              <a:rPr lang="de-DE" sz="1600" dirty="0">
+                <a:latin typeface="Bahnschrift" panose="020B0502040204020203" pitchFamily="34" charset="0"/>
+              </a:rPr>
+              <a:t>main.py</a:t>
+            </a:r>
+          </a:p>
+          <a:p>
+            <a:pPr lvl="1">
+              <a:buFont typeface="Wingdings" panose="05000000000000000000" pitchFamily="2" charset="2"/>
+              <a:buChar char="Ø"/>
+            </a:pPr>
+            <a:r>
+              <a:rPr lang="de-DE" sz="1600" dirty="0">
+                <a:latin typeface="Bahnschrift" panose="020B0502040204020203" pitchFamily="34" charset="0"/>
+              </a:rPr>
+              <a:t>data_processing.py</a:t>
+            </a:r>
+          </a:p>
+          <a:p>
+            <a:pPr lvl="1">
+              <a:buFont typeface="Wingdings" panose="05000000000000000000" pitchFamily="2" charset="2"/>
+              <a:buChar char="Ø"/>
+            </a:pPr>
+            <a:r>
+              <a:rPr lang="de-DE" sz="1600" dirty="0">
+                <a:latin typeface="Bahnschrift" panose="020B0502040204020203" pitchFamily="34" charset="0"/>
+              </a:rPr>
+              <a:t>functions.py</a:t>
+            </a:r>
+          </a:p>
+          <a:p>
+            <a:pPr lvl="1">
+              <a:buFont typeface="Wingdings" panose="05000000000000000000" pitchFamily="2" charset="2"/>
+              <a:buChar char="Ø"/>
+            </a:pPr>
+            <a:r>
+              <a:rPr lang="de-DE" sz="1600" dirty="0">
+                <a:latin typeface="Bahnschrift" panose="020B0502040204020203" pitchFamily="34" charset="0"/>
+              </a:rPr>
+              <a:t>data_plotting.py</a:t>
+            </a:r>
           </a:p>
         </p:txBody>
       </p:sp>
@@ -7409,10 +8367,40 @@
           </a:p>
         </p:txBody>
       </p:sp>
+      <p:pic>
+        <p:nvPicPr>
+          <p:cNvPr id="9" name="Grafik 8">
+            <a:extLst>
+              <a:ext uri="{FF2B5EF4-FFF2-40B4-BE49-F238E27FC236}">
+                <a16:creationId xmlns:a16="http://schemas.microsoft.com/office/drawing/2014/main" id="{30FC6868-0438-9B90-F2A6-1E4CF3A31E95}"/>
+              </a:ext>
+            </a:extLst>
+          </p:cNvPr>
+          <p:cNvPicPr>
+            <a:picLocks noChangeAspect="1"/>
+          </p:cNvPicPr>
+          <p:nvPr/>
+        </p:nvPicPr>
+        <p:blipFill>
+          <a:blip r:embed="rId4"/>
+          <a:stretch>
+            <a:fillRect/>
+          </a:stretch>
+        </p:blipFill>
+        <p:spPr>
+          <a:xfrm>
+            <a:off x="3992845" y="1745946"/>
+            <a:ext cx="7735711" cy="4351337"/>
+          </a:xfrm>
+          <a:prstGeom prst="rect">
+            <a:avLst/>
+          </a:prstGeom>
+        </p:spPr>
+      </p:pic>
     </p:spTree>
     <p:extLst>
       <p:ext uri="{BB962C8B-B14F-4D97-AF65-F5344CB8AC3E}">
-        <p14:creationId xmlns:p14="http://schemas.microsoft.com/office/powerpoint/2010/main" val="2682443051"/>
+        <p14:creationId xmlns:p14="http://schemas.microsoft.com/office/powerpoint/2010/main" val="2808947530"/>
       </p:ext>
     </p:extLst>
   </p:cSld>
@@ -7467,31 +8455,7 @@
               <a:rPr lang="de-DE" sz="3600" dirty="0">
                 <a:latin typeface="Bahnschrift" panose="020B0502040204020203" pitchFamily="34" charset="0"/>
               </a:rPr>
-              <a:t>c) </a:t>
-            </a:r>
-            <a:r>
-              <a:rPr lang="de-DE" sz="3600" dirty="0" err="1">
-                <a:latin typeface="Bahnschrift" panose="020B0502040204020203" pitchFamily="34" charset="0"/>
-              </a:rPr>
-              <a:t>Calculation</a:t>
-            </a:r>
-            <a:r>
-              <a:rPr lang="de-DE" sz="3600" dirty="0">
-                <a:latin typeface="Bahnschrift" panose="020B0502040204020203" pitchFamily="34" charset="0"/>
-              </a:rPr>
-              <a:t> of </a:t>
-            </a:r>
-            <a:r>
-              <a:rPr lang="de-DE" sz="3600" dirty="0" err="1">
-                <a:latin typeface="Bahnschrift" panose="020B0502040204020203" pitchFamily="34" charset="0"/>
-              </a:rPr>
-              <a:t>unfiltered</a:t>
-            </a:r>
-            <a:r>
-              <a:rPr lang="de-DE" sz="3600" dirty="0">
-                <a:latin typeface="Bahnschrift" panose="020B0502040204020203" pitchFamily="34" charset="0"/>
-              </a:rPr>
-              <a:t> EWH</a:t>
+              <a:t>a) Selection of a region of interest</a:t>
             </a:r>
             <a:endParaRPr lang="de-DE" sz="4000" dirty="0">
               <a:latin typeface="Bahnschrift" panose="020B0502040204020203" pitchFamily="34" charset="0"/>
@@ -7531,7 +8495,7 @@
               <a:rPr lang="de-DE" sz="2000" dirty="0">
                 <a:latin typeface="Bahnschrift" panose="020B0502040204020203" pitchFamily="34" charset="0"/>
               </a:rPr>
-              <a:t>P</a:t>
+              <a:t>Canadian Province of British Columbia</a:t>
             </a:r>
             <a:endParaRPr lang="de-DE" sz="1600" dirty="0">
               <a:latin typeface="Bahnschrift" panose="020B0502040204020203" pitchFamily="34" charset="0"/>
@@ -7611,48 +8575,46 @@
           </a:prstGeom>
         </p:spPr>
       </p:pic>
-      <p:sp>
-        <p:nvSpPr>
-          <p:cNvPr id="6" name="Textfeld 5">
-            <a:extLst>
-              <a:ext uri="{FF2B5EF4-FFF2-40B4-BE49-F238E27FC236}">
-                <a16:creationId xmlns:a16="http://schemas.microsoft.com/office/drawing/2014/main" id="{1BBD6F97-93E7-4C42-99EB-D40C8A38AA31}"/>
-              </a:ext>
-            </a:extLst>
-          </p:cNvPr>
-          <p:cNvSpPr txBox="1"/>
+      <p:pic>
+        <p:nvPicPr>
+          <p:cNvPr id="13" name="Grafik 12">
+            <a:extLst>
+              <a:ext uri="{FF2B5EF4-FFF2-40B4-BE49-F238E27FC236}">
+                <a16:creationId xmlns:a16="http://schemas.microsoft.com/office/drawing/2014/main" id="{30C48829-2A0A-7B7A-D269-1D73F84EE0B1}"/>
+              </a:ext>
+            </a:extLst>
+          </p:cNvPr>
+          <p:cNvPicPr>
+            <a:picLocks noChangeAspect="1"/>
+          </p:cNvPicPr>
           <p:nvPr/>
-        </p:nvSpPr>
-        <p:spPr>
-          <a:xfrm>
-            <a:off x="8141368" y="6456917"/>
-            <a:ext cx="3947996" cy="307777"/>
+        </p:nvPicPr>
+        <p:blipFill>
+          <a:blip r:embed="rId4">
+            <a:extLst>
+              <a:ext uri="{28A0092B-C50C-407E-A947-70E740481C1C}">
+                <a14:useLocalDpi xmlns:a14="http://schemas.microsoft.com/office/drawing/2010/main" val="0"/>
+              </a:ext>
+            </a:extLst>
+          </a:blip>
+          <a:stretch>
+            <a:fillRect/>
+          </a:stretch>
+        </p:blipFill>
+        <p:spPr>
+          <a:xfrm>
+            <a:off x="6692696" y="1562100"/>
+            <a:ext cx="5396668" cy="5202594"/>
           </a:xfrm>
           <a:prstGeom prst="rect">
             <a:avLst/>
           </a:prstGeom>
-          <a:noFill/>
-        </p:spPr>
-        <p:txBody>
-          <a:bodyPr wrap="square" rtlCol="0">
-            <a:spAutoFit/>
-          </a:bodyPr>
-          <a:lstStyle/>
-          <a:p>
-            <a:pPr algn="r"/>
-            <a:r>
-              <a:rPr lang="de-DE" sz="1400" dirty="0">
-                <a:latin typeface="Bahnschrift" panose="020B0502040204020203" pitchFamily="34" charset="0"/>
-              </a:rPr>
-              <a:t>Christopher Mahn, Silas Teske, Joshua Wolf</a:t>
-            </a:r>
-          </a:p>
-        </p:txBody>
-      </p:sp>
+        </p:spPr>
+      </p:pic>
     </p:spTree>
     <p:extLst>
       <p:ext uri="{BB962C8B-B14F-4D97-AF65-F5344CB8AC3E}">
-        <p14:creationId xmlns:p14="http://schemas.microsoft.com/office/powerpoint/2010/main" val="4158464097"/>
+        <p14:creationId xmlns:p14="http://schemas.microsoft.com/office/powerpoint/2010/main" val="3247089267"/>
       </p:ext>
     </p:extLst>
   </p:cSld>
@@ -7695,12 +8657,7 @@
             <p:ph type="title"/>
           </p:nvPr>
         </p:nvSpPr>
-        <p:spPr>
-          <a:xfrm>
-            <a:off x="1451811" y="365125"/>
-            <a:ext cx="9370832" cy="1325563"/>
-          </a:xfrm>
-        </p:spPr>
+        <p:spPr/>
         <p:txBody>
           <a:bodyPr>
             <a:normAutofit/>
@@ -7712,25 +8669,25 @@
               <a:rPr lang="de-DE" sz="3600" dirty="0">
                 <a:latin typeface="Bahnschrift" panose="020B0502040204020203" pitchFamily="34" charset="0"/>
               </a:rPr>
-              <a:t>d) </a:t>
+              <a:t>b) </a:t>
             </a:r>
             <a:r>
               <a:rPr lang="de-DE" sz="3600" dirty="0" err="1">
                 <a:latin typeface="Bahnschrift" panose="020B0502040204020203" pitchFamily="34" charset="0"/>
               </a:rPr>
-              <a:t>Filtering</a:t>
+              <a:t>Pre</a:t>
             </a:r>
             <a:r>
               <a:rPr lang="de-DE" sz="3600" dirty="0">
                 <a:latin typeface="Bahnschrift" panose="020B0502040204020203" pitchFamily="34" charset="0"/>
               </a:rPr>
-              <a:t> of the </a:t>
+              <a:t>-processing the </a:t>
             </a:r>
             <a:r>
               <a:rPr lang="de-DE" sz="3600" dirty="0" err="1">
                 <a:latin typeface="Bahnschrift" panose="020B0502040204020203" pitchFamily="34" charset="0"/>
               </a:rPr>
-              <a:t>spherical</a:t>
+              <a:t>monthly</a:t>
             </a:r>
             <a:r>
               <a:rPr lang="de-DE" sz="3600" dirty="0">
@@ -7738,28 +8695,11 @@
               </a:rPr>
               <a:t> </a:t>
             </a:r>
-            <a:br>
-              <a:rPr lang="de-DE" sz="3600" dirty="0">
-                <a:latin typeface="Bahnschrift" panose="020B0502040204020203" pitchFamily="34" charset="0"/>
-              </a:rPr>
-            </a:br>
             <a:r>
               <a:rPr lang="de-DE" sz="3600" dirty="0" err="1">
                 <a:latin typeface="Bahnschrift" panose="020B0502040204020203" pitchFamily="34" charset="0"/>
               </a:rPr>
-              <a:t>harmonic</a:t>
-            </a:r>
-            <a:r>
-              <a:rPr lang="de-DE" sz="3600" dirty="0">
-                <a:latin typeface="Bahnschrift" panose="020B0502040204020203" pitchFamily="34" charset="0"/>
-              </a:rPr>
-              <a:t> </a:t>
-            </a:r>
-            <a:r>
-              <a:rPr lang="de-DE" sz="3600" dirty="0" err="1">
-                <a:latin typeface="Bahnschrift" panose="020B0502040204020203" pitchFamily="34" charset="0"/>
-              </a:rPr>
-              <a:t>coefficients</a:t>
+              <a:t>solutions</a:t>
             </a:r>
             <a:endParaRPr lang="de-DE" sz="4000" dirty="0">
               <a:latin typeface="Bahnschrift" panose="020B0502040204020203" pitchFamily="34" charset="0"/>
@@ -7786,7 +8726,7 @@
         <p:spPr>
           <a:xfrm>
             <a:off x="838200" y="1825625"/>
-            <a:ext cx="10623884" cy="4351338"/>
+            <a:ext cx="10615863" cy="4351338"/>
           </a:xfrm>
         </p:spPr>
         <p:txBody>
@@ -7796,10 +8736,10 @@
           <a:lstStyle/>
           <a:p>
             <a:r>
-              <a:rPr lang="de-DE" sz="2000" dirty="0">
-                <a:latin typeface="Bahnschrift" panose="020B0502040204020203" pitchFamily="34" charset="0"/>
-              </a:rPr>
-              <a:t>P</a:t>
+              <a:rPr lang="en-US" sz="2000" dirty="0">
+                <a:latin typeface="Bahnschrift" panose="020B0502040204020203" pitchFamily="34" charset="0"/>
+              </a:rPr>
+              <a:t>Removed the static gravity field ITSG-Grace2018s.gfc</a:t>
             </a:r>
             <a:endParaRPr lang="de-DE" sz="1600" dirty="0">
               <a:latin typeface="Bahnschrift" panose="020B0502040204020203" pitchFamily="34" charset="0"/>
@@ -7920,7 +8860,7 @@
     </p:spTree>
     <p:extLst>
       <p:ext uri="{BB962C8B-B14F-4D97-AF65-F5344CB8AC3E}">
-        <p14:creationId xmlns:p14="http://schemas.microsoft.com/office/powerpoint/2010/main" val="2097512069"/>
+        <p14:creationId xmlns:p14="http://schemas.microsoft.com/office/powerpoint/2010/main" val="2682443051"/>
       </p:ext>
     </p:extLst>
   </p:cSld>
